--- a/4. UI/Day 33/Slides/11. Navigation and Routing Basics/navigation-and-routing-basics-slides.pptx
+++ b/4. UI/Day 33/Slides/11. Navigation and Routing Basics/navigation-and-routing-basics-slides.pptx
@@ -19,7 +19,7 @@
     <p:sldId id="262" r:id="rId11"/>
     <p:sldId id="263" r:id="rId12"/>
     <p:sldId id="264" r:id="rId13"/>
-    <p:sldId id="287" r:id="rId14"/>
+    <p:sldId id="312" r:id="rId14"/>
     <p:sldId id="265" r:id="rId15"/>
     <p:sldId id="266" r:id="rId16"/>
     <p:sldId id="267" r:id="rId17"/>
@@ -2644,65 +2644,59 @@
           <a:chExt cx="0" cy="0"/>
         </a:xfrm>
       </p:grpSpPr>
-      <p:grpSp>
-        <p:nvGrpSpPr>
-          <p:cNvPr id="2" name="object 2"/>
-          <p:cNvGrpSpPr/>
-          <p:nvPr/>
-        </p:nvGrpSpPr>
-        <p:grpSpPr>
-          <a:xfrm>
-            <a:off x="300189" y="1925852"/>
-            <a:ext cx="14410690" cy="7069455"/>
-            <a:chOff x="300189" y="1925852"/>
-            <a:chExt cx="14410690" cy="7069455"/>
-          </a:xfrm>
-        </p:grpSpPr>
-        <p:pic>
-          <p:nvPicPr>
-            <p:cNvPr id="3" name="object 3"/>
-            <p:cNvPicPr/>
-            <p:nvPr/>
-          </p:nvPicPr>
-          <p:blipFill>
-            <a:blip r:embed="rId1" cstate="print"/>
-            <a:stretch>
-              <a:fillRect/>
-            </a:stretch>
-          </p:blipFill>
-          <p:spPr>
-            <a:xfrm>
-              <a:off x="300189" y="1925852"/>
-              <a:ext cx="14410182" cy="6754771"/>
-            </a:xfrm>
-            <a:prstGeom prst="rect">
-              <a:avLst/>
-            </a:prstGeom>
-          </p:spPr>
-        </p:pic>
-        <p:pic>
-          <p:nvPicPr>
-            <p:cNvPr id="4" name="object 4"/>
-            <p:cNvPicPr/>
-            <p:nvPr/>
-          </p:nvPicPr>
-          <p:blipFill>
-            <a:blip r:embed="rId2" cstate="print"/>
-            <a:stretch>
-              <a:fillRect/>
-            </a:stretch>
-          </p:blipFill>
-          <p:spPr>
-            <a:xfrm>
-              <a:off x="410996" y="3321591"/>
-              <a:ext cx="13558278" cy="5673321"/>
-            </a:xfrm>
-            <a:prstGeom prst="rect">
-              <a:avLst/>
-            </a:prstGeom>
-          </p:spPr>
-        </p:pic>
-      </p:grpSp>
+      <p:graphicFrame>
+        <p:nvGraphicFramePr>
+          <p:cNvPr id="21" name="Content Placeholder 20"/>
+          <p:cNvGraphicFramePr>
+            <a:graphicFrameLocks noChangeAspect="1"/>
+          </p:cNvGraphicFramePr>
+          <p:nvPr>
+            <p:ph sz="half" idx="3"/>
+          </p:nvPr>
+        </p:nvGraphicFramePr>
+        <p:xfrm>
+          <a:off x="0" y="1562100"/>
+          <a:ext cx="6332220" cy="3304540"/>
+        </p:xfrm>
+        <a:graphic>
+          <a:graphicData uri="http://schemas.openxmlformats.org/presentationml/2006/ole">
+            <mc:AlternateContent xmlns:mc="http://schemas.openxmlformats.org/markup-compatibility/2006">
+              <mc:Choice xmlns:v="urn:schemas-microsoft-com:vml" Requires="v">
+                <p:oleObj spid="_x0000_s22" name="" r:id="rId1" imgW="9182100" imgH="7077075" progId="Paint.Picture">
+                  <p:embed/>
+                </p:oleObj>
+              </mc:Choice>
+              <mc:Fallback>
+                <p:oleObj name="" r:id="rId1" imgW="9182100" imgH="7077075" progId="Paint.Picture">
+                  <p:embed/>
+                  <p:pic>
+                    <p:nvPicPr>
+                      <p:cNvPr id="0" name="Picture 21"/>
+                      <p:cNvPicPr/>
+                      <p:nvPr/>
+                    </p:nvPicPr>
+                    <p:blipFill>
+                      <a:blip r:embed="rId2"/>
+                      <a:stretch>
+                        <a:fillRect/>
+                      </a:stretch>
+                    </p:blipFill>
+                    <p:spPr>
+                      <a:xfrm>
+                        <a:off x="0" y="1562100"/>
+                        <a:ext cx="6332220" cy="3304540"/>
+                      </a:xfrm>
+                      <a:prstGeom prst="rect">
+                        <a:avLst/>
+                      </a:prstGeom>
+                    </p:spPr>
+                  </p:pic>
+                </p:oleObj>
+              </mc:Fallback>
+            </mc:AlternateContent>
+          </a:graphicData>
+        </a:graphic>
+      </p:graphicFrame>
       <p:sp>
         <p:nvSpPr>
           <p:cNvPr id="5" name="object 5"/>
@@ -2801,24 +2795,6 @@
               <a:t>s</a:t>
             </a:r>
             <a:endParaRPr spc="-305" dirty="0"/>
-          </a:p>
-        </p:txBody>
-      </p:sp>
-      <p:sp>
-        <p:nvSpPr>
-          <p:cNvPr id="20" name="Content Placeholder 19"/>
-          <p:cNvSpPr>
-            <a:spLocks noGrp="1"/>
-          </p:cNvSpPr>
-          <p:nvPr>
-            <p:ph sz="half" idx="3"/>
-          </p:nvPr>
-        </p:nvSpPr>
-        <p:spPr/>
-        <p:txBody>
-          <a:bodyPr/>
-          <a:p>
-            <a:endParaRPr lang="en-US"/>
           </a:p>
         </p:txBody>
       </p:sp>
@@ -3835,12 +3811,30 @@
       <p:grpSpPr/>
       <p:sp>
         <p:nvSpPr>
-          <p:cNvPr id="6" name="Title 5"/>
+          <p:cNvPr id="2" name="Title 1"/>
           <p:cNvSpPr>
             <a:spLocks noGrp="1"/>
           </p:cNvSpPr>
           <p:nvPr>
-            <p:ph type="title"/>
+            <p:ph type="ctrTitle"/>
+          </p:nvPr>
+        </p:nvSpPr>
+        <p:spPr/>
+        <p:txBody>
+          <a:bodyPr/>
+          <a:p>
+            <a:endParaRPr lang="en-US"/>
+          </a:p>
+        </p:txBody>
+      </p:sp>
+      <p:sp>
+        <p:nvSpPr>
+          <p:cNvPr id="3" name="Subtitle 2"/>
+          <p:cNvSpPr>
+            <a:spLocks noGrp="1"/>
+          </p:cNvSpPr>
+          <p:nvPr>
+            <p:ph type="subTitle" idx="4"/>
           </p:nvPr>
         </p:nvSpPr>
         <p:spPr/>
@@ -3872,50 +3866,55 @@
           </a:p>
         </p:txBody>
       </p:sp>
-      <p:sp>
-        <p:nvSpPr>
-          <p:cNvPr id="7" name="Content Placeholder 6"/>
-          <p:cNvSpPr>
-            <a:spLocks noGrp="1"/>
-          </p:cNvSpPr>
-          <p:nvPr>
-            <p:ph sz="half" idx="3"/>
-          </p:nvPr>
-        </p:nvSpPr>
-        <p:spPr/>
-        <p:txBody>
-          <a:bodyPr/>
-          <a:p>
-            <a:endParaRPr lang="en-US"/>
-          </a:p>
-        </p:txBody>
-      </p:sp>
-      <p:pic>
-        <p:nvPicPr>
-          <p:cNvPr id="5" name="Content Placeholder 4"/>
-          <p:cNvPicPr>
-            <a:picLocks noChangeAspect="1"/>
-          </p:cNvPicPr>
-          <p:nvPr>
-            <p:ph sz="half" idx="2"/>
-          </p:nvPr>
-        </p:nvPicPr>
-        <p:blipFill>
-          <a:blip r:embed="rId1"/>
-          <a:stretch>
-            <a:fillRect/>
-          </a:stretch>
-        </p:blipFill>
-        <p:spPr>
-          <a:xfrm>
-            <a:off x="228600" y="647700"/>
-            <a:ext cx="17029430" cy="8508365"/>
-          </a:xfrm>
-          <a:prstGeom prst="rect">
-            <a:avLst/>
-          </a:prstGeom>
-        </p:spPr>
-      </p:pic>
+      <p:graphicFrame>
+        <p:nvGraphicFramePr>
+          <p:cNvPr id="5" name="Object 4"/>
+          <p:cNvGraphicFramePr/>
+          <p:nvPr/>
+        </p:nvGraphicFramePr>
+        <p:xfrm>
+          <a:off x="554990" y="415290"/>
+          <a:ext cx="17177385" cy="9456420"/>
+        </p:xfrm>
+        <a:graphic>
+          <a:graphicData uri="http://schemas.openxmlformats.org/presentationml/2006/ole">
+            <mc:AlternateContent xmlns:mc="http://schemas.openxmlformats.org/markup-compatibility/2006">
+              <mc:Choice xmlns:v="urn:schemas-microsoft-com:vml" Requires="v">
+                <p:oleObj spid="_x0000_s6" name="" r:id="rId1" imgW="6428740" imgH="9448800" progId="Paint.Picture">
+                  <p:embed/>
+                </p:oleObj>
+              </mc:Choice>
+              <mc:Fallback>
+                <p:oleObj name="" r:id="rId1" imgW="6428740" imgH="9448800" progId="Paint.Picture">
+                  <p:embed/>
+                  <p:pic>
+                    <p:nvPicPr>
+                      <p:cNvPr id="0" name="Picture 5"/>
+                      <p:cNvPicPr/>
+                      <p:nvPr/>
+                    </p:nvPicPr>
+                    <p:blipFill>
+                      <a:blip r:embed="rId2"/>
+                      <a:stretch>
+                        <a:fillRect/>
+                      </a:stretch>
+                    </p:blipFill>
+                    <p:spPr>
+                      <a:xfrm>
+                        <a:off x="554990" y="415290"/>
+                        <a:ext cx="17177385" cy="9456420"/>
+                      </a:xfrm>
+                      <a:prstGeom prst="rect">
+                        <a:avLst/>
+                      </a:prstGeom>
+                    </p:spPr>
+                  </p:pic>
+                </p:oleObj>
+              </mc:Fallback>
+            </mc:AlternateContent>
+          </a:graphicData>
+        </a:graphic>
+      </p:graphicFrame>
     </p:spTree>
   </p:cSld>
   <p:clrMapOvr>
@@ -25266,24 +25265,6 @@
         <p:nvPr/>
       </p:nvGrpSpPr>
       <p:grpSpPr/>
-      <p:sp>
-        <p:nvSpPr>
-          <p:cNvPr id="6" name="Title 5"/>
-          <p:cNvSpPr>
-            <a:spLocks noGrp="1"/>
-          </p:cNvSpPr>
-          <p:nvPr>
-            <p:ph type="title"/>
-          </p:nvPr>
-        </p:nvSpPr>
-        <p:spPr/>
-        <p:txBody>
-          <a:bodyPr/>
-          <a:p>
-            <a:endParaRPr lang="en-US"/>
-          </a:p>
-        </p:txBody>
-      </p:sp>
       <p:sp>
         <p:nvSpPr>
           <p:cNvPr id="4" name="Slide Number Placeholder 3"/>
@@ -25997,7 +25978,7 @@
                           <a:latin typeface="Arial" panose="020B0604020202020204"/>
                           <a:cs typeface="Arial" panose="020B0604020202020204"/>
                         </a:rPr>
-                        <a:t>-  </a:t>
+                        <a:t> </a:t>
                       </a:r>
                       <a:r>
                         <a:rPr sz="2400" b="1" spc="50" dirty="0">

--- a/4. UI/Day 33/Slides/11. Navigation and Routing Basics/navigation-and-routing-basics-slides.pptx
+++ b/4. UI/Day 33/Slides/11. Navigation and Routing Basics/navigation-and-routing-basics-slides.pptx
@@ -5,41 +5,41 @@
     <p:sldMasterId id="2147483648" r:id="rId1"/>
   </p:sldMasterIdLst>
   <p:notesMasterIdLst>
-    <p:notesMasterId r:id="rId35"/>
+    <p:notesMasterId r:id="rId34"/>
   </p:notesMasterIdLst>
   <p:sldIdLst>
-    <p:sldId id="256" r:id="rId3"/>
-    <p:sldId id="257" r:id="rId4"/>
-    <p:sldId id="258" r:id="rId5"/>
-    <p:sldId id="259" r:id="rId6"/>
-    <p:sldId id="260" r:id="rId7"/>
-    <p:sldId id="285" r:id="rId8"/>
-    <p:sldId id="286" r:id="rId9"/>
-    <p:sldId id="261" r:id="rId10"/>
-    <p:sldId id="262" r:id="rId11"/>
-    <p:sldId id="263" r:id="rId12"/>
-    <p:sldId id="264" r:id="rId13"/>
-    <p:sldId id="312" r:id="rId14"/>
-    <p:sldId id="265" r:id="rId15"/>
-    <p:sldId id="266" r:id="rId16"/>
-    <p:sldId id="267" r:id="rId17"/>
-    <p:sldId id="268" r:id="rId18"/>
-    <p:sldId id="269" r:id="rId19"/>
-    <p:sldId id="270" r:id="rId20"/>
-    <p:sldId id="271" r:id="rId21"/>
-    <p:sldId id="272" r:id="rId22"/>
-    <p:sldId id="273" r:id="rId23"/>
-    <p:sldId id="274" r:id="rId24"/>
-    <p:sldId id="275" r:id="rId25"/>
-    <p:sldId id="276" r:id="rId26"/>
-    <p:sldId id="277" r:id="rId27"/>
-    <p:sldId id="278" r:id="rId28"/>
-    <p:sldId id="279" r:id="rId29"/>
-    <p:sldId id="280" r:id="rId30"/>
-    <p:sldId id="281" r:id="rId31"/>
-    <p:sldId id="282" r:id="rId32"/>
-    <p:sldId id="283" r:id="rId33"/>
-    <p:sldId id="284" r:id="rId34"/>
+    <p:sldId id="256" r:id="rId2"/>
+    <p:sldId id="257" r:id="rId3"/>
+    <p:sldId id="258" r:id="rId4"/>
+    <p:sldId id="259" r:id="rId5"/>
+    <p:sldId id="260" r:id="rId6"/>
+    <p:sldId id="285" r:id="rId7"/>
+    <p:sldId id="286" r:id="rId8"/>
+    <p:sldId id="261" r:id="rId9"/>
+    <p:sldId id="262" r:id="rId10"/>
+    <p:sldId id="263" r:id="rId11"/>
+    <p:sldId id="264" r:id="rId12"/>
+    <p:sldId id="312" r:id="rId13"/>
+    <p:sldId id="265" r:id="rId14"/>
+    <p:sldId id="266" r:id="rId15"/>
+    <p:sldId id="267" r:id="rId16"/>
+    <p:sldId id="268" r:id="rId17"/>
+    <p:sldId id="269" r:id="rId18"/>
+    <p:sldId id="270" r:id="rId19"/>
+    <p:sldId id="271" r:id="rId20"/>
+    <p:sldId id="272" r:id="rId21"/>
+    <p:sldId id="273" r:id="rId22"/>
+    <p:sldId id="274" r:id="rId23"/>
+    <p:sldId id="275" r:id="rId24"/>
+    <p:sldId id="276" r:id="rId25"/>
+    <p:sldId id="277" r:id="rId26"/>
+    <p:sldId id="278" r:id="rId27"/>
+    <p:sldId id="279" r:id="rId28"/>
+    <p:sldId id="280" r:id="rId29"/>
+    <p:sldId id="281" r:id="rId30"/>
+    <p:sldId id="282" r:id="rId31"/>
+    <p:sldId id="283" r:id="rId32"/>
+    <p:sldId id="284" r:id="rId33"/>
   </p:sldIdLst>
   <p:sldSz cx="18288000" cy="10287000"/>
   <p:notesSz cx="18288000" cy="10287000"/>
@@ -135,6 +135,22 @@
       </a:defRPr>
     </a:lvl9pPr>
   </p:defaultTextStyle>
+  <p:extLst>
+    <p:ext uri="{EFAFB233-063F-42B5-8137-9DF3F51BA10A}">
+      <p15:sldGuideLst xmlns:p15="http://schemas.microsoft.com/office/powerpoint/2012/main">
+        <p15:guide id="1" orient="horz" pos="2880">
+          <p15:clr>
+            <a:srgbClr val="A4A3A4"/>
+          </p15:clr>
+        </p15:guide>
+        <p15:guide id="2" pos="2160">
+          <p15:clr>
+            <a:srgbClr val="A4A3A4"/>
+          </p15:clr>
+        </p15:guide>
+      </p15:sldGuideLst>
+    </p:ext>
+  </p:extLst>
 </p:presentation>
 </file>
 
@@ -220,6 +236,7 @@
           <a:p>
             <a:fld id="{3EFD42F7-718C-4B98-AAEC-167E6DDD60A7}" type="datetimeFigureOut">
               <a:rPr lang="en-US" smtClean="0"/>
+              <a:t>5/6/2023</a:t>
             </a:fld>
             <a:endParaRPr lang="en-US"/>
           </a:p>
@@ -283,42 +300,37 @@
           <a:p>
             <a:pPr lvl="0"/>
             <a:r>
-              <a:rPr lang="en-US" smtClean="0"/>
+              <a:rPr lang="en-US"/>
               <a:t>Click to edit Master text styles</a:t>
             </a:r>
-            <a:endParaRPr lang="en-US" smtClean="0"/>
           </a:p>
           <a:p>
             <a:pPr lvl="1"/>
             <a:r>
-              <a:rPr lang="en-US" smtClean="0"/>
+              <a:rPr lang="en-US"/>
               <a:t>Second level</a:t>
             </a:r>
-            <a:endParaRPr lang="en-US" smtClean="0"/>
           </a:p>
           <a:p>
             <a:pPr lvl="2"/>
             <a:r>
-              <a:rPr lang="en-US" smtClean="0"/>
+              <a:rPr lang="en-US"/>
               <a:t>Third level</a:t>
             </a:r>
-            <a:endParaRPr lang="en-US" smtClean="0"/>
           </a:p>
           <a:p>
             <a:pPr lvl="3"/>
             <a:r>
-              <a:rPr lang="en-US" smtClean="0"/>
+              <a:rPr lang="en-US"/>
               <a:t>Fourth level</a:t>
             </a:r>
-            <a:endParaRPr lang="en-US" smtClean="0"/>
           </a:p>
           <a:p>
             <a:pPr lvl="4"/>
             <a:r>
-              <a:rPr lang="en-US" smtClean="0"/>
+              <a:rPr lang="en-US"/>
               <a:t>Fifth level</a:t>
             </a:r>
-            <a:endParaRPr lang="en-US"/>
           </a:p>
         </p:txBody>
       </p:sp>
@@ -382,6 +394,7 @@
           <a:p>
             <a:fld id="{21B2AA4F-B828-4D7C-AFD3-893933DAFCB4}" type="slidenum">
               <a:rPr lang="en-US" smtClean="0"/>
+              <a:t>‹#›</a:t>
             </a:fld>
             <a:endParaRPr lang="en-US"/>
           </a:p>
@@ -536,7 +549,9 @@
               </a:defRPr>
             </a:lvl1pPr>
           </a:lstStyle>
-          <a:p/>
+          <a:p>
+            <a:endParaRPr/>
+          </a:p>
         </p:txBody>
       </p:sp>
       <p:sp>
@@ -567,7 +582,9 @@
               <a:defRPr/>
             </a:lvl1pPr>
           </a:lstStyle>
-          <a:p/>
+          <a:p>
+            <a:endParaRPr/>
+          </a:p>
         </p:txBody>
       </p:sp>
       <p:sp>
@@ -594,7 +611,9 @@
               </a:defRPr>
             </a:lvl1pPr>
           </a:lstStyle>
-          <a:p/>
+          <a:p>
+            <a:endParaRPr/>
+          </a:p>
         </p:txBody>
       </p:sp>
       <p:sp>
@@ -624,6 +643,7 @@
           <a:p>
             <a:fld id="{1D8BD707-D9CF-40AE-B4C6-C98DA3205C09}" type="datetimeFigureOut">
               <a:rPr lang="en-US"/>
+              <a:t>5/6/2023</a:t>
             </a:fld>
             <a:endParaRPr lang="en-US"/>
           </a:p>
@@ -656,6 +676,7 @@
           <a:p>
             <a:fld id="{B6F15528-21DE-4FAA-801E-634DDDAF4B2B}" type="slidenum">
               <a:rPr/>
+              <a:t>‹#›</a:t>
             </a:fld>
             <a:endParaRPr/>
           </a:p>
@@ -711,7 +732,9 @@
               </a:defRPr>
             </a:lvl1pPr>
           </a:lstStyle>
-          <a:p/>
+          <a:p>
+            <a:endParaRPr/>
+          </a:p>
         </p:txBody>
       </p:sp>
       <p:sp>
@@ -736,7 +759,9 @@
               </a:defRPr>
             </a:lvl1pPr>
           </a:lstStyle>
-          <a:p/>
+          <a:p>
+            <a:endParaRPr/>
+          </a:p>
         </p:txBody>
       </p:sp>
       <p:sp>
@@ -763,7 +788,9 @@
               </a:defRPr>
             </a:lvl1pPr>
           </a:lstStyle>
-          <a:p/>
+          <a:p>
+            <a:endParaRPr/>
+          </a:p>
         </p:txBody>
       </p:sp>
       <p:sp>
@@ -793,6 +820,7 @@
           <a:p>
             <a:fld id="{1D8BD707-D9CF-40AE-B4C6-C98DA3205C09}" type="datetimeFigureOut">
               <a:rPr lang="en-US"/>
+              <a:t>5/6/2023</a:t>
             </a:fld>
             <a:endParaRPr lang="en-US"/>
           </a:p>
@@ -825,6 +853,7 @@
           <a:p>
             <a:fld id="{B6F15528-21DE-4FAA-801E-634DDDAF4B2B}" type="slidenum">
               <a:rPr/>
+              <a:t>‹#›</a:t>
             </a:fld>
             <a:endParaRPr/>
           </a:p>
@@ -880,7 +909,9 @@
               </a:defRPr>
             </a:lvl1pPr>
           </a:lstStyle>
-          <a:p/>
+          <a:p>
+            <a:endParaRPr/>
+          </a:p>
         </p:txBody>
       </p:sp>
       <p:sp>
@@ -911,7 +942,9 @@
               <a:defRPr/>
             </a:lvl1pPr>
           </a:lstStyle>
-          <a:p/>
+          <a:p>
+            <a:endParaRPr/>
+          </a:p>
         </p:txBody>
       </p:sp>
       <p:sp>
@@ -942,7 +975,9 @@
               <a:defRPr/>
             </a:lvl1pPr>
           </a:lstStyle>
-          <a:p/>
+          <a:p>
+            <a:endParaRPr/>
+          </a:p>
         </p:txBody>
       </p:sp>
       <p:sp>
@@ -969,7 +1004,9 @@
               </a:defRPr>
             </a:lvl1pPr>
           </a:lstStyle>
-          <a:p/>
+          <a:p>
+            <a:endParaRPr/>
+          </a:p>
         </p:txBody>
       </p:sp>
       <p:sp>
@@ -999,6 +1036,7 @@
           <a:p>
             <a:fld id="{1D8BD707-D9CF-40AE-B4C6-C98DA3205C09}" type="datetimeFigureOut">
               <a:rPr lang="en-US"/>
+              <a:t>5/6/2023</a:t>
             </a:fld>
             <a:endParaRPr lang="en-US"/>
           </a:p>
@@ -1031,6 +1069,7 @@
           <a:p>
             <a:fld id="{B6F15528-21DE-4FAA-801E-634DDDAF4B2B}" type="slidenum">
               <a:rPr/>
+              <a:t>‹#›</a:t>
             </a:fld>
             <a:endParaRPr/>
           </a:p>
@@ -1086,7 +1125,9 @@
               </a:defRPr>
             </a:lvl1pPr>
           </a:lstStyle>
-          <a:p/>
+          <a:p>
+            <a:endParaRPr/>
+          </a:p>
         </p:txBody>
       </p:sp>
       <p:sp>
@@ -1113,7 +1154,9 @@
               </a:defRPr>
             </a:lvl1pPr>
           </a:lstStyle>
-          <a:p/>
+          <a:p>
+            <a:endParaRPr/>
+          </a:p>
         </p:txBody>
       </p:sp>
       <p:sp>
@@ -1143,6 +1186,7 @@
           <a:p>
             <a:fld id="{1D8BD707-D9CF-40AE-B4C6-C98DA3205C09}" type="datetimeFigureOut">
               <a:rPr lang="en-US"/>
+              <a:t>5/6/2023</a:t>
             </a:fld>
             <a:endParaRPr lang="en-US"/>
           </a:p>
@@ -1175,6 +1219,7 @@
           <a:p>
             <a:fld id="{B6F15528-21DE-4FAA-801E-634DDDAF4B2B}" type="slidenum">
               <a:rPr/>
+              <a:t>‹#›</a:t>
             </a:fld>
             <a:endParaRPr/>
           </a:p>
@@ -1190,7 +1235,7 @@
 </file>
 
 <file path=ppt/slideLayouts/slideLayout5.xml><?xml version="1.0" encoding="utf-8"?>
-<p:sldLayout xmlns:a="http://schemas.openxmlformats.org/drawingml/2006/main" xmlns:r="http://schemas.openxmlformats.org/officeDocument/2006/relationships" xmlns:p="http://schemas.openxmlformats.org/presentationml/2006/main" type="obj" preserve="1" showMasterSp="0">
+<p:sldLayout xmlns:a="http://schemas.openxmlformats.org/drawingml/2006/main" xmlns:r="http://schemas.openxmlformats.org/officeDocument/2006/relationships" xmlns:p="http://schemas.openxmlformats.org/presentationml/2006/main" showMasterSp="0" type="obj" preserve="1">
   <p:cSld name="Blank">
     <p:bg>
       <p:bgPr>
@@ -1260,7 +1305,9 @@
               </a:defRPr>
             </a:lvl1pPr>
           </a:lstStyle>
-          <a:p/>
+          <a:p>
+            <a:endParaRPr/>
+          </a:p>
         </p:txBody>
       </p:sp>
       <p:sp>
@@ -1290,6 +1337,7 @@
           <a:p>
             <a:fld id="{1D8BD707-D9CF-40AE-B4C6-C98DA3205C09}" type="datetimeFigureOut">
               <a:rPr lang="en-US"/>
+              <a:t>5/6/2023</a:t>
             </a:fld>
             <a:endParaRPr lang="en-US"/>
           </a:p>
@@ -1322,6 +1370,7 @@
           <a:p>
             <a:fld id="{B6F15528-21DE-4FAA-801E-634DDDAF4B2B}" type="slidenum">
               <a:rPr/>
+              <a:t>‹#›</a:t>
             </a:fld>
             <a:endParaRPr/>
           </a:p>
@@ -1395,7 +1444,9 @@
               </a:defRPr>
             </a:lvl1pPr>
           </a:lstStyle>
-          <a:p/>
+          <a:p>
+            <a:endParaRPr/>
+          </a:p>
         </p:txBody>
       </p:sp>
       <p:sp>
@@ -1430,7 +1481,9 @@
               </a:defRPr>
             </a:lvl1pPr>
           </a:lstStyle>
-          <a:p/>
+          <a:p>
+            <a:endParaRPr/>
+          </a:p>
         </p:txBody>
       </p:sp>
       <p:sp>
@@ -1467,7 +1520,9 @@
               </a:defRPr>
             </a:lvl1pPr>
           </a:lstStyle>
-          <a:p/>
+          <a:p>
+            <a:endParaRPr/>
+          </a:p>
         </p:txBody>
       </p:sp>
       <p:sp>
@@ -1507,6 +1562,7 @@
           <a:p>
             <a:fld id="{1D8BD707-D9CF-40AE-B4C6-C98DA3205C09}" type="datetimeFigureOut">
               <a:rPr lang="en-US"/>
+              <a:t>5/6/2023</a:t>
             </a:fld>
             <a:endParaRPr lang="en-US"/>
           </a:p>
@@ -1549,6 +1605,7 @@
           <a:p>
             <a:fld id="{B6F15528-21DE-4FAA-801E-634DDDAF4B2B}" type="slidenum">
               <a:rPr/>
+              <a:t>‹#›</a:t>
             </a:fld>
             <a:endParaRPr/>
           </a:p>
@@ -1733,7 +1790,7 @@
           <p:nvPr/>
         </p:nvPicPr>
         <p:blipFill>
-          <a:blip r:embed="rId1" cstate="print"/>
+          <a:blip r:embed="rId2" cstate="print"/>
           <a:stretch>
             <a:fillRect/>
           </a:stretch>
@@ -1850,9 +1907,11 @@
         <p:spPr/>
         <p:txBody>
           <a:bodyPr/>
+          <a:lstStyle/>
           <a:p>
             <a:fld id="{B6F15528-21DE-4FAA-801E-634DDDAF4B2B}" type="slidenum">
               <a:rPr/>
+              <a:t>1</a:t>
             </a:fld>
             <a:endParaRPr/>
           </a:p>
@@ -1920,7 +1979,9 @@
         <p:txBody>
           <a:bodyPr wrap="square" lIns="0" tIns="0" rIns="0" bIns="0" rtlCol="0"/>
           <a:lstStyle/>
-          <a:p/>
+          <a:p>
+            <a:endParaRPr/>
+          </a:p>
         </p:txBody>
       </p:sp>
       <p:sp>
@@ -2024,7 +2085,6 @@
               <a:rPr spc="-305" dirty="0"/>
               <a:t>s</a:t>
             </a:r>
-            <a:endParaRPr spc="-305" dirty="0"/>
           </a:p>
         </p:txBody>
       </p:sp>
@@ -2583,7 +2643,7 @@
           <p:nvPr/>
         </p:nvPicPr>
         <p:blipFill>
-          <a:blip r:embed="rId1" cstate="print"/>
+          <a:blip r:embed="rId2" cstate="print"/>
           <a:stretch>
             <a:fillRect/>
           </a:stretch>
@@ -2611,9 +2671,11 @@
         <p:spPr/>
         <p:txBody>
           <a:bodyPr/>
+          <a:lstStyle/>
           <a:p>
             <a:fld id="{B6F15528-21DE-4FAA-801E-634DDDAF4B2B}" type="slidenum">
               <a:rPr/>
+              <a:t>10</a:t>
             </a:fld>
             <a:endParaRPr/>
           </a:p>
@@ -2648,7 +2710,7 @@
         <p:nvGraphicFramePr>
           <p:cNvPr id="21" name="Content Placeholder 20"/>
           <p:cNvGraphicFramePr>
-            <a:graphicFrameLocks noChangeAspect="1"/>
+            <a:graphicFrameLocks noGrp="1" noChangeAspect="1"/>
           </p:cNvGraphicFramePr>
           <p:nvPr>
             <p:ph sz="half" idx="3"/>
@@ -2662,12 +2724,12 @@
           <a:graphicData uri="http://schemas.openxmlformats.org/presentationml/2006/ole">
             <mc:AlternateContent xmlns:mc="http://schemas.openxmlformats.org/markup-compatibility/2006">
               <mc:Choice xmlns:v="urn:schemas-microsoft-com:vml" Requires="v">
-                <p:oleObj spid="_x0000_s22" name="" r:id="rId1" imgW="9182100" imgH="7077075" progId="Paint.Picture">
+                <p:oleObj spid="_x0000_s1027" r:id="rId3" imgW="9182100" imgH="7077075" progId="Paint.Picture">
                   <p:embed/>
                 </p:oleObj>
               </mc:Choice>
               <mc:Fallback>
-                <p:oleObj name="" r:id="rId1" imgW="9182100" imgH="7077075" progId="Paint.Picture">
+                <p:oleObj r:id="rId3" imgW="9182100" imgH="7077075" progId="Paint.Picture">
                   <p:embed/>
                   <p:pic>
                     <p:nvPicPr>
@@ -2676,7 +2738,7 @@
                       <p:nvPr/>
                     </p:nvPicPr>
                     <p:blipFill>
-                      <a:blip r:embed="rId2"/>
+                      <a:blip r:embed="rId4"/>
                       <a:stretch>
                         <a:fillRect/>
                       </a:stretch>
@@ -2794,7 +2856,6 @@
               <a:rPr spc="-305" dirty="0"/>
               <a:t>s</a:t>
             </a:r>
-            <a:endParaRPr spc="-305" dirty="0"/>
           </a:p>
         </p:txBody>
       </p:sp>
@@ -2941,7 +3002,9 @@
           <p:txBody>
             <a:bodyPr wrap="square" lIns="0" tIns="0" rIns="0" bIns="0" rtlCol="0"/>
             <a:lstStyle/>
-            <a:p/>
+            <a:p>
+              <a:endParaRPr/>
+            </a:p>
           </p:txBody>
         </p:sp>
         <p:sp>
@@ -2981,7 +3044,9 @@
           <p:txBody>
             <a:bodyPr wrap="square" lIns="0" tIns="0" rIns="0" bIns="0" rtlCol="0"/>
             <a:lstStyle/>
-            <a:p/>
+            <a:p>
+              <a:endParaRPr/>
+            </a:p>
           </p:txBody>
         </p:sp>
         <p:sp>
@@ -3029,7 +3094,9 @@
           <p:txBody>
             <a:bodyPr wrap="square" lIns="0" tIns="0" rIns="0" bIns="0" rtlCol="0"/>
             <a:lstStyle/>
-            <a:p/>
+            <a:p>
+              <a:endParaRPr/>
+            </a:p>
           </p:txBody>
         </p:sp>
       </p:grpSp>
@@ -3288,7 +3355,9 @@
         <p:txBody>
           <a:bodyPr wrap="square" lIns="0" tIns="0" rIns="0" bIns="0" rtlCol="0"/>
           <a:lstStyle/>
-          <a:p/>
+          <a:p>
+            <a:endParaRPr/>
+          </a:p>
         </p:txBody>
       </p:sp>
       <p:sp>
@@ -3642,7 +3711,9 @@
         <p:txBody>
           <a:bodyPr wrap="square" lIns="0" tIns="0" rIns="0" bIns="0" rtlCol="0"/>
           <a:lstStyle/>
-          <a:p/>
+          <a:p>
+            <a:endParaRPr/>
+          </a:p>
         </p:txBody>
       </p:sp>
       <p:sp>
@@ -3741,7 +3812,9 @@
         <p:txBody>
           <a:bodyPr wrap="square" lIns="0" tIns="0" rIns="0" bIns="0" rtlCol="0"/>
           <a:lstStyle/>
-          <a:p/>
+          <a:p>
+            <a:endParaRPr/>
+          </a:p>
         </p:txBody>
       </p:sp>
       <p:sp>
@@ -3757,9 +3830,11 @@
         <p:spPr/>
         <p:txBody>
           <a:bodyPr/>
+          <a:lstStyle/>
           <a:p>
             <a:fld id="{B6F15528-21DE-4FAA-801E-634DDDAF4B2B}" type="slidenum">
               <a:rPr/>
+              <a:t>11</a:t>
             </a:fld>
             <a:endParaRPr/>
           </a:p>
@@ -3769,14 +3844,14 @@
         <p:nvPicPr>
           <p:cNvPr id="19" name="Content Placeholder 18"/>
           <p:cNvPicPr>
-            <a:picLocks noChangeAspect="1"/>
+            <a:picLocks noGrp="1" noChangeAspect="1"/>
           </p:cNvPicPr>
           <p:nvPr>
             <p:ph sz="half" idx="2"/>
           </p:nvPr>
         </p:nvPicPr>
         <p:blipFill>
-          <a:blip r:embed="rId3"/>
+          <a:blip r:embed="rId5"/>
           <a:stretch>
             <a:fillRect/>
           </a:stretch>
@@ -3808,7 +3883,14 @@
         <p:cNvGrpSpPr/>
         <p:nvPr/>
       </p:nvGrpSpPr>
-      <p:grpSpPr/>
+      <p:grpSpPr>
+        <a:xfrm>
+          <a:off x="0" y="0"/>
+          <a:ext cx="0" cy="0"/>
+          <a:chOff x="0" y="0"/>
+          <a:chExt cx="0" cy="0"/>
+        </a:xfrm>
+      </p:grpSpPr>
       <p:sp>
         <p:nvSpPr>
           <p:cNvPr id="2" name="Title 1"/>
@@ -3822,6 +3904,7 @@
         <p:spPr/>
         <p:txBody>
           <a:bodyPr/>
+          <a:lstStyle/>
           <a:p>
             <a:endParaRPr lang="en-US"/>
           </a:p>
@@ -3840,6 +3923,7 @@
         <p:spPr/>
         <p:txBody>
           <a:bodyPr/>
+          <a:lstStyle/>
           <a:p>
             <a:endParaRPr lang="en-US"/>
           </a:p>
@@ -3858,9 +3942,11 @@
         <p:spPr/>
         <p:txBody>
           <a:bodyPr/>
+          <a:lstStyle/>
           <a:p>
             <a:fld id="{B6F15528-21DE-4FAA-801E-634DDDAF4B2B}" type="slidenum">
               <a:rPr/>
+              <a:t>12</a:t>
             </a:fld>
             <a:endParaRPr/>
           </a:p>
@@ -3880,12 +3966,12 @@
           <a:graphicData uri="http://schemas.openxmlformats.org/presentationml/2006/ole">
             <mc:AlternateContent xmlns:mc="http://schemas.openxmlformats.org/markup-compatibility/2006">
               <mc:Choice xmlns:v="urn:schemas-microsoft-com:vml" Requires="v">
-                <p:oleObj spid="_x0000_s6" name="" r:id="rId1" imgW="6428740" imgH="9448800" progId="Paint.Picture">
+                <p:oleObj spid="_x0000_s2051" r:id="rId3" imgW="6428740" imgH="9448800" progId="Paint.Picture">
                   <p:embed/>
                 </p:oleObj>
               </mc:Choice>
               <mc:Fallback>
-                <p:oleObj name="" r:id="rId1" imgW="6428740" imgH="9448800" progId="Paint.Picture">
+                <p:oleObj r:id="rId3" imgW="6428740" imgH="9448800" progId="Paint.Picture">
                   <p:embed/>
                   <p:pic>
                     <p:nvPicPr>
@@ -3894,7 +3980,7 @@
                       <p:nvPr/>
                     </p:nvPicPr>
                     <p:blipFill>
-                      <a:blip r:embed="rId2"/>
+                      <a:blip r:embed="rId4"/>
                       <a:stretch>
                         <a:fillRect/>
                       </a:stretch>
@@ -4175,9 +4261,11 @@
         <p:spPr/>
         <p:txBody>
           <a:bodyPr/>
+          <a:lstStyle/>
           <a:p>
             <a:fld id="{B6F15528-21DE-4FAA-801E-634DDDAF4B2B}" type="slidenum">
               <a:rPr/>
+              <a:t>13</a:t>
             </a:fld>
             <a:endParaRPr/>
           </a:p>
@@ -4251,11 +4339,7 @@
             </a:r>
             <a:r>
               <a:rPr spc="-254" dirty="0"/>
-              <a:t>n</a:t>
-            </a:r>
-            <a:r>
-              <a:rPr spc="-254" dirty="0"/>
-              <a:t>f</a:t>
+              <a:t>nf</a:t>
             </a:r>
             <a:r>
               <a:rPr spc="-425" dirty="0"/>
@@ -4309,7 +4393,6 @@
               <a:rPr spc="-305" dirty="0"/>
               <a:t>s</a:t>
             </a:r>
-            <a:endParaRPr spc="-305" dirty="0"/>
           </a:p>
         </p:txBody>
       </p:sp>
@@ -4374,7 +4457,9 @@
           <p:txBody>
             <a:bodyPr wrap="square" lIns="0" tIns="0" rIns="0" bIns="0" rtlCol="0"/>
             <a:lstStyle/>
-            <a:p/>
+            <a:p>
+              <a:endParaRPr/>
+            </a:p>
           </p:txBody>
         </p:sp>
         <p:sp>
@@ -4422,7 +4507,9 @@
           <p:txBody>
             <a:bodyPr wrap="square" lIns="0" tIns="0" rIns="0" bIns="0" rtlCol="0"/>
             <a:lstStyle/>
-            <a:p/>
+            <a:p>
+              <a:endParaRPr/>
+            </a:p>
           </p:txBody>
         </p:sp>
         <p:sp>
@@ -4472,7 +4559,9 @@
           <p:txBody>
             <a:bodyPr wrap="square" lIns="0" tIns="0" rIns="0" bIns="0" rtlCol="0"/>
             <a:lstStyle/>
-            <a:p/>
+            <a:p>
+              <a:endParaRPr/>
+            </a:p>
           </p:txBody>
         </p:sp>
       </p:grpSp>
@@ -4515,7 +4604,7 @@
               </a:rPr>
               <a:t>app.module.ts</a:t>
             </a:r>
-            <a:endParaRPr sz="3000">
+            <a:endParaRPr sz="3000" dirty="0">
               <a:latin typeface="Arial" panose="020B0604020202020204"/>
               <a:cs typeface="Arial" panose="020B0604020202020204"/>
             </a:endParaRPr>
@@ -4536,7 +4625,7 @@
               </a:rPr>
               <a:t>...</a:t>
             </a:r>
-            <a:endParaRPr sz="3000">
+            <a:endParaRPr sz="3000" dirty="0">
               <a:latin typeface="Courier New" panose="02070309020205020404"/>
               <a:cs typeface="Courier New" panose="02070309020205020404"/>
             </a:endParaRPr>
@@ -4634,7 +4723,7 @@
               </a:rPr>
               <a:t>;</a:t>
             </a:r>
-            <a:endParaRPr sz="3000">
+            <a:endParaRPr sz="3000" dirty="0">
               <a:latin typeface="Courier New" panose="02070309020205020404"/>
               <a:cs typeface="Courier New" panose="02070309020205020404"/>
             </a:endParaRPr>
@@ -4648,7 +4737,7 @@
                 <a:spcPts val="30"/>
               </a:spcBef>
             </a:pPr>
-            <a:endParaRPr sz="3150">
+            <a:endParaRPr sz="3150" dirty="0">
               <a:latin typeface="Courier New" panose="02070309020205020404"/>
               <a:cs typeface="Courier New" panose="02070309020205020404"/>
             </a:endParaRPr>
@@ -4694,10 +4783,6 @@
               </a:rPr>
               <a:t>[</a:t>
             </a:r>
-            <a:endParaRPr sz="3000">
-              <a:latin typeface="Courier New" panose="02070309020205020404"/>
-              <a:cs typeface="Courier New" panose="02070309020205020404"/>
-            </a:endParaRPr>
           </a:p>
           <a:p>
             <a:pPr marL="927100" marR="5949315">
@@ -4757,7 +4842,7 @@
               </a:rPr>
               <a:t>RouterModule</a:t>
             </a:r>
-            <a:endParaRPr sz="3000">
+            <a:endParaRPr sz="3000" dirty="0">
               <a:latin typeface="Courier New" panose="02070309020205020404"/>
               <a:cs typeface="Courier New" panose="02070309020205020404"/>
             </a:endParaRPr>
@@ -4775,7 +4860,7 @@
               </a:rPr>
               <a:t>],</a:t>
             </a:r>
-            <a:endParaRPr sz="3000">
+            <a:endParaRPr sz="3000" dirty="0">
               <a:latin typeface="Courier New" panose="02070309020205020404"/>
               <a:cs typeface="Courier New" panose="02070309020205020404"/>
             </a:endParaRPr>
@@ -4807,10 +4892,6 @@
               </a:rPr>
               <a:t>[</a:t>
             </a:r>
-            <a:endParaRPr sz="3000">
-              <a:latin typeface="Courier New" panose="02070309020205020404"/>
-              <a:cs typeface="Courier New" panose="02070309020205020404"/>
-            </a:endParaRPr>
           </a:p>
           <a:p>
             <a:pPr marL="927100">
@@ -4825,7 +4906,7 @@
               </a:rPr>
               <a:t>...</a:t>
             </a:r>
-            <a:endParaRPr sz="3000">
+            <a:endParaRPr sz="3000" dirty="0">
               <a:latin typeface="Courier New" panose="02070309020205020404"/>
               <a:cs typeface="Courier New" panose="02070309020205020404"/>
             </a:endParaRPr>
@@ -4843,7 +4924,7 @@
               </a:rPr>
               <a:t>],</a:t>
             </a:r>
-            <a:endParaRPr sz="3000">
+            <a:endParaRPr sz="3000" dirty="0">
               <a:latin typeface="Courier New" panose="02070309020205020404"/>
               <a:cs typeface="Courier New" panose="02070309020205020404"/>
             </a:endParaRPr>
@@ -4903,7 +4984,21 @@
               </a:rPr>
               <a:t>]</a:t>
             </a:r>
-            <a:endParaRPr sz="3000">
+          </a:p>
+          <a:p>
+            <a:pPr marL="12700">
+              <a:lnSpc>
+                <a:spcPct val="100000"/>
+              </a:lnSpc>
+            </a:pPr>
+            <a:r>
+              <a:rPr sz="3000" spc="-5" dirty="0">
+                <a:latin typeface="Courier New" panose="02070309020205020404"/>
+                <a:cs typeface="Courier New" panose="02070309020205020404"/>
+              </a:rPr>
+              <a:t>})</a:t>
+            </a:r>
+            <a:endParaRPr sz="3000" dirty="0">
               <a:latin typeface="Courier New" panose="02070309020205020404"/>
               <a:cs typeface="Courier New" panose="02070309020205020404"/>
             </a:endParaRPr>
@@ -4919,25 +5014,21 @@
                 <a:latin typeface="Courier New" panose="02070309020205020404"/>
                 <a:cs typeface="Courier New" panose="02070309020205020404"/>
               </a:rPr>
-              <a:t>})</a:t>
-            </a:r>
-            <a:endParaRPr sz="3000">
-              <a:latin typeface="Courier New" panose="02070309020205020404"/>
-              <a:cs typeface="Courier New" panose="02070309020205020404"/>
-            </a:endParaRPr>
-          </a:p>
-          <a:p>
-            <a:pPr marL="12700">
-              <a:lnSpc>
-                <a:spcPct val="100000"/>
-              </a:lnSpc>
-            </a:pPr>
+              <a:t>export</a:t>
+            </a:r>
+            <a:r>
+              <a:rPr sz="3000" spc="-25" dirty="0">
+                <a:latin typeface="Courier New" panose="02070309020205020404"/>
+                <a:cs typeface="Courier New" panose="02070309020205020404"/>
+              </a:rPr>
+              <a:t> </a:t>
+            </a:r>
             <a:r>
               <a:rPr sz="3000" spc="-5" dirty="0">
                 <a:latin typeface="Courier New" panose="02070309020205020404"/>
                 <a:cs typeface="Courier New" panose="02070309020205020404"/>
               </a:rPr>
-              <a:t>export</a:t>
+              <a:t>class</a:t>
             </a:r>
             <a:r>
               <a:rPr sz="3000" spc="-25" dirty="0">
@@ -4951,7 +5042,7 @@
                 <a:latin typeface="Courier New" panose="02070309020205020404"/>
                 <a:cs typeface="Courier New" panose="02070309020205020404"/>
               </a:rPr>
-              <a:t>class</a:t>
+              <a:t>AppModule</a:t>
             </a:r>
             <a:r>
               <a:rPr sz="3000" spc="-25" dirty="0">
@@ -4961,20 +5052,6 @@
               <a:t> </a:t>
             </a:r>
             <a:r>
-              <a:rPr sz="3000" spc="-5" dirty="0">
-                <a:latin typeface="Courier New" panose="02070309020205020404"/>
-                <a:cs typeface="Courier New" panose="02070309020205020404"/>
-              </a:rPr>
-              <a:t>AppModule</a:t>
-            </a:r>
-            <a:r>
-              <a:rPr sz="3000" spc="-25" dirty="0">
-                <a:latin typeface="Courier New" panose="02070309020205020404"/>
-                <a:cs typeface="Courier New" panose="02070309020205020404"/>
-              </a:rPr>
-              <a:t> </a:t>
-            </a:r>
-            <a:r>
               <a:rPr sz="3000" dirty="0">
                 <a:latin typeface="Courier New" panose="02070309020205020404"/>
                 <a:cs typeface="Courier New" panose="02070309020205020404"/>
@@ -4995,10 +5072,6 @@
               </a:rPr>
               <a:t>}</a:t>
             </a:r>
-            <a:endParaRPr sz="3000">
-              <a:latin typeface="Courier New" panose="02070309020205020404"/>
-              <a:cs typeface="Courier New" panose="02070309020205020404"/>
-            </a:endParaRPr>
           </a:p>
         </p:txBody>
       </p:sp>
@@ -5015,9 +5088,11 @@
         <p:spPr/>
         <p:txBody>
           <a:bodyPr/>
+          <a:lstStyle/>
           <a:p>
             <a:fld id="{B6F15528-21DE-4FAA-801E-634DDDAF4B2B}" type="slidenum">
               <a:rPr/>
+              <a:t>14</a:t>
             </a:fld>
             <a:endParaRPr/>
           </a:p>
@@ -5091,11 +5166,7 @@
             </a:r>
             <a:r>
               <a:rPr spc="-254" dirty="0"/>
-              <a:t>n</a:t>
-            </a:r>
-            <a:r>
-              <a:rPr spc="-254" dirty="0"/>
-              <a:t>f</a:t>
+              <a:t>nf</a:t>
             </a:r>
             <a:r>
               <a:rPr spc="-425" dirty="0"/>
@@ -5149,7 +5220,6 @@
               <a:rPr spc="-305" dirty="0"/>
               <a:t>s</a:t>
             </a:r>
-            <a:endParaRPr spc="-305" dirty="0"/>
           </a:p>
         </p:txBody>
       </p:sp>
@@ -5214,7 +5284,9 @@
           <p:txBody>
             <a:bodyPr wrap="square" lIns="0" tIns="0" rIns="0" bIns="0" rtlCol="0"/>
             <a:lstStyle/>
-            <a:p/>
+            <a:p>
+              <a:endParaRPr/>
+            </a:p>
           </p:txBody>
         </p:sp>
         <p:sp>
@@ -5262,7 +5334,9 @@
           <p:txBody>
             <a:bodyPr wrap="square" lIns="0" tIns="0" rIns="0" bIns="0" rtlCol="0"/>
             <a:lstStyle/>
-            <a:p/>
+            <a:p>
+              <a:endParaRPr/>
+            </a:p>
           </p:txBody>
         </p:sp>
         <p:sp>
@@ -5312,7 +5386,9 @@
           <p:txBody>
             <a:bodyPr wrap="square" lIns="0" tIns="0" rIns="0" bIns="0" rtlCol="0"/>
             <a:lstStyle/>
-            <a:p/>
+            <a:p>
+              <a:endParaRPr/>
+            </a:p>
           </p:txBody>
         </p:sp>
       </p:grpSp>
@@ -5875,9 +5951,11 @@
         <p:spPr/>
         <p:txBody>
           <a:bodyPr/>
+          <a:lstStyle/>
           <a:p>
             <a:fld id="{B6F15528-21DE-4FAA-801E-634DDDAF4B2B}" type="slidenum">
               <a:rPr/>
+              <a:t>15</a:t>
             </a:fld>
             <a:endParaRPr/>
           </a:p>
@@ -5951,11 +6029,7 @@
             </a:r>
             <a:r>
               <a:rPr spc="-254" dirty="0"/>
-              <a:t>n</a:t>
-            </a:r>
-            <a:r>
-              <a:rPr spc="-254" dirty="0"/>
-              <a:t>f</a:t>
+              <a:t>nf</a:t>
             </a:r>
             <a:r>
               <a:rPr spc="-425" dirty="0"/>
@@ -6009,7 +6083,6 @@
               <a:rPr spc="-305" dirty="0"/>
               <a:t>s</a:t>
             </a:r>
-            <a:endParaRPr spc="-305" dirty="0"/>
           </a:p>
         </p:txBody>
       </p:sp>
@@ -6060,7 +6133,9 @@
         <p:txBody>
           <a:bodyPr wrap="square" lIns="0" tIns="0" rIns="0" bIns="0" rtlCol="0"/>
           <a:lstStyle/>
-          <a:p/>
+          <a:p>
+            <a:endParaRPr/>
+          </a:p>
         </p:txBody>
       </p:sp>
       <p:graphicFrame>
@@ -6073,7 +6148,7 @@
         </p:nvGraphicFramePr>
         <p:xfrm>
           <a:off x="705074" y="2462242"/>
-          <a:ext cx="16816705" cy="3068954"/>
+          <a:ext cx="16816070" cy="3068806"/>
         </p:xfrm>
         <a:graphic>
           <a:graphicData uri="http://schemas.openxmlformats.org/drawingml/2006/table">
@@ -6082,9 +6157,27 @@
                 <a:tableStyleId>{2D5ABB26-0587-4C30-8999-92F81FD0307C}</a:tableStyleId>
               </a:tblPr>
               <a:tblGrid>
-                <a:gridCol w="718185"/>
-                <a:gridCol w="1647825"/>
-                <a:gridCol w="14450060"/>
+                <a:gridCol w="718185">
+                  <a:extLst>
+                    <a:ext uri="{9D8B030D-6E8A-4147-A177-3AD203B41FA5}">
+                      <a16:colId xmlns:a16="http://schemas.microsoft.com/office/drawing/2014/main" val="20000"/>
+                    </a:ext>
+                  </a:extLst>
+                </a:gridCol>
+                <a:gridCol w="1647825">
+                  <a:extLst>
+                    <a:ext uri="{9D8B030D-6E8A-4147-A177-3AD203B41FA5}">
+                      <a16:colId xmlns:a16="http://schemas.microsoft.com/office/drawing/2014/main" val="20001"/>
+                    </a:ext>
+                  </a:extLst>
+                </a:gridCol>
+                <a:gridCol w="14450060">
+                  <a:extLst>
+                    <a:ext uri="{9D8B030D-6E8A-4147-A177-3AD203B41FA5}">
+                      <a16:colId xmlns:a16="http://schemas.microsoft.com/office/drawing/2014/main" val="20002"/>
+                    </a:ext>
+                  </a:extLst>
+                </a:gridCol>
               </a:tblGrid>
               <a:tr h="708396">
                 <a:tc>
@@ -6134,8 +6227,20 @@
                   <a:tcPr marL="0" marR="0" marT="0" marB="0"/>
                 </a:tc>
                 <a:tc hMerge="1">
+                  <a:txBody>
+                    <a:bodyPr/>
+                    <a:lstStyle/>
+                    <a:p>
+                      <a:endParaRPr lang="en-US"/>
+                    </a:p>
+                  </a:txBody>
                   <a:tcPr marL="0" marR="0" marT="0" marB="0"/>
                 </a:tc>
+                <a:extLst>
+                  <a:ext uri="{0D108BD9-81ED-4DB2-BD59-A6C34878D82A}">
+                    <a16:rowId xmlns:a16="http://schemas.microsoft.com/office/drawing/2014/main" val="10000"/>
+                  </a:ext>
+                </a:extLst>
               </a:tr>
               <a:tr h="819911">
                 <a:tc>
@@ -6274,6 +6379,11 @@
                   </a:txBody>
                   <a:tcPr marL="0" marR="0" marT="127000" marB="0"/>
                 </a:tc>
+                <a:extLst>
+                  <a:ext uri="{0D108BD9-81ED-4DB2-BD59-A6C34878D82A}">
+                    <a16:rowId xmlns:a16="http://schemas.microsoft.com/office/drawing/2014/main" val="10001"/>
+                  </a:ext>
+                </a:extLst>
               </a:tr>
               <a:tr h="826007">
                 <a:tc>
@@ -6412,6 +6522,11 @@
                   </a:txBody>
                   <a:tcPr marL="0" marR="0" marT="133350" marB="0"/>
                 </a:tc>
+                <a:extLst>
+                  <a:ext uri="{0D108BD9-81ED-4DB2-BD59-A6C34878D82A}">
+                    <a16:rowId xmlns:a16="http://schemas.microsoft.com/office/drawing/2014/main" val="10002"/>
+                  </a:ext>
+                </a:extLst>
               </a:tr>
               <a:tr h="714492">
                 <a:tc>
@@ -6550,6 +6665,11 @@
                   </a:txBody>
                   <a:tcPr marL="0" marR="0" marT="133350" marB="0"/>
                 </a:tc>
+                <a:extLst>
+                  <a:ext uri="{0D108BD9-81ED-4DB2-BD59-A6C34878D82A}">
+                    <a16:rowId xmlns:a16="http://schemas.microsoft.com/office/drawing/2014/main" val="10003"/>
+                  </a:ext>
+                </a:extLst>
               </a:tr>
             </a:tbl>
           </a:graphicData>
@@ -6847,9 +6967,11 @@
         <p:spPr/>
         <p:txBody>
           <a:bodyPr/>
+          <a:lstStyle/>
           <a:p>
             <a:fld id="{B6F15528-21DE-4FAA-801E-634DDDAF4B2B}" type="slidenum">
               <a:rPr/>
+              <a:t>16</a:t>
             </a:fld>
             <a:endParaRPr/>
           </a:p>
@@ -6887,7 +7009,7 @@
           <p:nvPr/>
         </p:nvPicPr>
         <p:blipFill>
-          <a:blip r:embed="rId1" cstate="print"/>
+          <a:blip r:embed="rId2" cstate="print"/>
           <a:stretch>
             <a:fillRect/>
           </a:stretch>
@@ -7047,9 +7169,11 @@
         <p:spPr/>
         <p:txBody>
           <a:bodyPr/>
+          <a:lstStyle/>
           <a:p>
             <a:fld id="{B6F15528-21DE-4FAA-801E-634DDDAF4B2B}" type="slidenum">
               <a:rPr/>
+              <a:t>17</a:t>
             </a:fld>
             <a:endParaRPr/>
           </a:p>
@@ -7117,7 +7241,9 @@
         <p:txBody>
           <a:bodyPr wrap="square" lIns="0" tIns="0" rIns="0" bIns="0" rtlCol="0"/>
           <a:lstStyle/>
-          <a:p/>
+          <a:p>
+            <a:endParaRPr/>
+          </a:p>
         </p:txBody>
       </p:sp>
       <p:sp>
@@ -7647,7 +7773,7 @@
           <p:nvPr/>
         </p:nvPicPr>
         <p:blipFill>
-          <a:blip r:embed="rId1" cstate="print"/>
+          <a:blip r:embed="rId2" cstate="print"/>
           <a:stretch>
             <a:fillRect/>
           </a:stretch>
@@ -7811,7 +7937,6 @@
               <a:rPr spc="-145" dirty="0"/>
               <a:t>es</a:t>
             </a:r>
-            <a:endParaRPr spc="-145" dirty="0"/>
           </a:p>
         </p:txBody>
       </p:sp>
@@ -7828,9 +7953,11 @@
         <p:spPr/>
         <p:txBody>
           <a:bodyPr/>
+          <a:lstStyle/>
           <a:p>
             <a:fld id="{B6F15528-21DE-4FAA-801E-634DDDAF4B2B}" type="slidenum">
               <a:rPr/>
+              <a:t>18</a:t>
             </a:fld>
             <a:endParaRPr/>
           </a:p>
@@ -7882,7 +8009,7 @@
             <p:nvPr/>
           </p:nvPicPr>
           <p:blipFill>
-            <a:blip r:embed="rId1" cstate="print"/>
+            <a:blip r:embed="rId2" cstate="print"/>
             <a:stretch>
               <a:fillRect/>
             </a:stretch>
@@ -7944,7 +8071,9 @@
           <p:txBody>
             <a:bodyPr wrap="square" lIns="0" tIns="0" rIns="0" bIns="0" rtlCol="0"/>
             <a:lstStyle/>
-            <a:p/>
+            <a:p>
+              <a:endParaRPr/>
+            </a:p>
           </p:txBody>
         </p:sp>
       </p:grpSp>
@@ -8073,7 +8202,6 @@
               <a:rPr spc="-305" dirty="0"/>
               <a:t>s</a:t>
             </a:r>
-            <a:endParaRPr spc="-305" dirty="0"/>
           </a:p>
         </p:txBody>
       </p:sp>
@@ -8090,9 +8218,11 @@
         <p:spPr/>
         <p:txBody>
           <a:bodyPr/>
+          <a:lstStyle/>
           <a:p>
             <a:fld id="{B6F15528-21DE-4FAA-801E-634DDDAF4B2B}" type="slidenum">
               <a:rPr/>
+              <a:t>19</a:t>
             </a:fld>
             <a:endParaRPr/>
           </a:p>
@@ -8136,9 +8266,11 @@
         <p:spPr/>
         <p:txBody>
           <a:bodyPr/>
+          <a:lstStyle/>
           <a:p>
             <a:fld id="{B6F15528-21DE-4FAA-801E-634DDDAF4B2B}" type="slidenum">
               <a:rPr/>
+              <a:t>2</a:t>
             </a:fld>
             <a:endParaRPr/>
           </a:p>
@@ -8290,7 +8422,6 @@
               <a:rPr spc="-305" dirty="0"/>
               <a:t>s</a:t>
             </a:r>
-            <a:endParaRPr spc="-305" dirty="0"/>
           </a:p>
         </p:txBody>
       </p:sp>
@@ -8611,6 +8742,7 @@
         <p:spPr/>
         <p:txBody>
           <a:bodyPr/>
+          <a:lstStyle/>
           <a:p>
             <a:endParaRPr lang="en-US"/>
           </a:p>
@@ -8678,9 +8810,11 @@
         <p:spPr/>
         <p:txBody>
           <a:bodyPr/>
+          <a:lstStyle/>
           <a:p>
             <a:fld id="{B6F15528-21DE-4FAA-801E-634DDDAF4B2B}" type="slidenum">
               <a:rPr/>
+              <a:t>20</a:t>
             </a:fld>
             <a:endParaRPr/>
           </a:p>
@@ -8690,14 +8824,14 @@
         <p:nvPicPr>
           <p:cNvPr id="6" name="Content Placeholder 5"/>
           <p:cNvPicPr>
-            <a:picLocks noChangeAspect="1"/>
+            <a:picLocks noGrp="1" noChangeAspect="1"/>
           </p:cNvPicPr>
           <p:nvPr>
             <p:ph sz="half" idx="2"/>
           </p:nvPr>
         </p:nvPicPr>
         <p:blipFill>
-          <a:blip r:embed="rId1"/>
+          <a:blip r:embed="rId2"/>
           <a:stretch>
             <a:fillRect/>
           </a:stretch>
@@ -8984,7 +9118,6 @@
               <a:rPr spc="-305" dirty="0"/>
               <a:t>s</a:t>
             </a:r>
-            <a:endParaRPr spc="-305" dirty="0"/>
           </a:p>
         </p:txBody>
       </p:sp>
@@ -9526,9 +9659,11 @@
         <p:spPr/>
         <p:txBody>
           <a:bodyPr/>
+          <a:lstStyle/>
           <a:p>
             <a:fld id="{B6F15528-21DE-4FAA-801E-634DDDAF4B2B}" type="slidenum">
               <a:rPr/>
+              <a:t>21</a:t>
             </a:fld>
             <a:endParaRPr/>
           </a:p>
@@ -9656,7 +9791,6 @@
               <a:rPr spc="-375" dirty="0"/>
               <a:t>ws</a:t>
             </a:r>
-            <a:endParaRPr spc="-375" dirty="0"/>
           </a:p>
         </p:txBody>
       </p:sp>
@@ -9750,7 +9884,7 @@
               </a:rPr>
               <a:t>@Component({</a:t>
             </a:r>
-            <a:endParaRPr sz="3000">
+            <a:endParaRPr sz="3000" dirty="0">
               <a:latin typeface="Courier New" panose="02070309020205020404"/>
               <a:cs typeface="Courier New" panose="02070309020205020404"/>
             </a:endParaRPr>
@@ -9823,7 +9957,7 @@
               </a:rPr>
               <a:t>`</a:t>
             </a:r>
-            <a:endParaRPr sz="3000">
+            <a:endParaRPr sz="3000" dirty="0">
               <a:latin typeface="Courier New" panose="02070309020205020404"/>
               <a:cs typeface="Courier New" panose="02070309020205020404"/>
             </a:endParaRPr>
@@ -9884,7 +10018,7 @@
               </a:rPr>
               <a:t>navbar-nav'&gt;</a:t>
             </a:r>
-            <a:endParaRPr sz="3000">
+            <a:endParaRPr sz="3000" dirty="0">
               <a:latin typeface="Courier New" panose="02070309020205020404"/>
               <a:cs typeface="Courier New" panose="02070309020205020404"/>
             </a:endParaRPr>
@@ -9925,7 +10059,7 @@
               </a:rPr>
               <a:t>[routerLink]="['/welcome']"&gt;Home&lt;/a&gt;&lt;/li&gt;</a:t>
             </a:r>
-            <a:endParaRPr sz="3000">
+            <a:endParaRPr sz="3000" dirty="0">
               <a:latin typeface="Courier New" panose="02070309020205020404"/>
               <a:cs typeface="Courier New" panose="02070309020205020404"/>
             </a:endParaRPr>
@@ -9986,7 +10120,7 @@
               </a:rPr>
               <a:t>List&lt;/a&gt;&lt;/li&gt;</a:t>
             </a:r>
-            <a:endParaRPr sz="3000">
+            <a:endParaRPr sz="3000" dirty="0">
               <a:latin typeface="Courier New" panose="02070309020205020404"/>
               <a:cs typeface="Courier New" panose="02070309020205020404"/>
             </a:endParaRPr>
@@ -10007,7 +10141,7 @@
               </a:rPr>
               <a:t>&lt;/ul&gt;</a:t>
             </a:r>
-            <a:endParaRPr sz="3000">
+            <a:endParaRPr sz="3000" dirty="0">
               <a:latin typeface="Courier New" panose="02070309020205020404"/>
               <a:cs typeface="Courier New" panose="02070309020205020404"/>
             </a:endParaRPr>
@@ -10028,7 +10162,7 @@
               </a:rPr>
               <a:t>&lt;router-outlet&gt;&lt;/router-outlet&gt;</a:t>
             </a:r>
-            <a:endParaRPr sz="3000">
+            <a:endParaRPr sz="3000" dirty="0">
               <a:latin typeface="Courier New" panose="02070309020205020404"/>
               <a:cs typeface="Courier New" panose="02070309020205020404"/>
             </a:endParaRPr>
@@ -10049,7 +10183,7 @@
               </a:rPr>
               <a:t>`</a:t>
             </a:r>
-            <a:endParaRPr sz="3000">
+            <a:endParaRPr sz="3000" dirty="0">
               <a:latin typeface="Courier New" panose="02070309020205020404"/>
               <a:cs typeface="Courier New" panose="02070309020205020404"/>
             </a:endParaRPr>
@@ -10067,7 +10201,7 @@
               </a:rPr>
               <a:t>})</a:t>
             </a:r>
-            <a:endParaRPr sz="3000">
+            <a:endParaRPr sz="3000" dirty="0">
               <a:latin typeface="Courier New" panose="02070309020205020404"/>
               <a:cs typeface="Courier New" panose="02070309020205020404"/>
             </a:endParaRPr>
@@ -10087,9 +10221,11 @@
         <p:spPr/>
         <p:txBody>
           <a:bodyPr/>
+          <a:lstStyle/>
           <a:p>
             <a:fld id="{B6F15528-21DE-4FAA-801E-634DDDAF4B2B}" type="slidenum">
               <a:rPr/>
+              <a:t>22</a:t>
             </a:fld>
             <a:endParaRPr/>
           </a:p>
@@ -10141,7 +10277,7 @@
             <p:nvPr/>
           </p:nvPicPr>
           <p:blipFill>
-            <a:blip r:embed="rId1" cstate="print"/>
+            <a:blip r:embed="rId2" cstate="print"/>
             <a:stretch>
               <a:fillRect/>
             </a:stretch>
@@ -10163,7 +10299,7 @@
             <p:nvPr/>
           </p:nvPicPr>
           <p:blipFill>
-            <a:blip r:embed="rId2" cstate="print"/>
+            <a:blip r:embed="rId3" cstate="print"/>
             <a:stretch>
               <a:fillRect/>
             </a:stretch>
@@ -10280,7 +10416,6 @@
               <a:rPr spc="-305" dirty="0"/>
               <a:t>s</a:t>
             </a:r>
-            <a:endParaRPr spc="-305" dirty="0"/>
           </a:p>
         </p:txBody>
       </p:sp>
@@ -10427,7 +10562,9 @@
           <p:txBody>
             <a:bodyPr wrap="square" lIns="0" tIns="0" rIns="0" bIns="0" rtlCol="0"/>
             <a:lstStyle/>
-            <a:p/>
+            <a:p>
+              <a:endParaRPr/>
+            </a:p>
           </p:txBody>
         </p:sp>
         <p:sp>
@@ -10467,7 +10604,9 @@
           <p:txBody>
             <a:bodyPr wrap="square" lIns="0" tIns="0" rIns="0" bIns="0" rtlCol="0"/>
             <a:lstStyle/>
-            <a:p/>
+            <a:p>
+              <a:endParaRPr/>
+            </a:p>
           </p:txBody>
         </p:sp>
         <p:sp>
@@ -10515,7 +10654,9 @@
           <p:txBody>
             <a:bodyPr wrap="square" lIns="0" tIns="0" rIns="0" bIns="0" rtlCol="0"/>
             <a:lstStyle/>
-            <a:p/>
+            <a:p>
+              <a:endParaRPr/>
+            </a:p>
           </p:txBody>
         </p:sp>
       </p:grpSp>
@@ -10774,7 +10915,9 @@
         <p:txBody>
           <a:bodyPr wrap="square" lIns="0" tIns="0" rIns="0" bIns="0" rtlCol="0"/>
           <a:lstStyle/>
-          <a:p/>
+          <a:p>
+            <a:endParaRPr/>
+          </a:p>
         </p:txBody>
       </p:sp>
       <p:sp>
@@ -11142,7 +11285,9 @@
         <p:txBody>
           <a:bodyPr wrap="square" lIns="0" tIns="0" rIns="0" bIns="0" rtlCol="0"/>
           <a:lstStyle/>
-          <a:p/>
+          <a:p>
+            <a:endParaRPr/>
+          </a:p>
         </p:txBody>
       </p:sp>
       <p:sp>
@@ -11241,7 +11386,9 @@
         <p:txBody>
           <a:bodyPr wrap="square" lIns="0" tIns="0" rIns="0" bIns="0" rtlCol="0"/>
           <a:lstStyle/>
-          <a:p/>
+          <a:p>
+            <a:endParaRPr/>
+          </a:p>
         </p:txBody>
       </p:sp>
       <p:sp>
@@ -11257,9 +11404,11 @@
         <p:spPr/>
         <p:txBody>
           <a:bodyPr/>
+          <a:lstStyle/>
           <a:p>
             <a:fld id="{B6F15528-21DE-4FAA-801E-634DDDAF4B2B}" type="slidenum">
               <a:rPr/>
+              <a:t>23</a:t>
             </a:fld>
             <a:endParaRPr/>
           </a:p>
@@ -11349,7 +11498,9 @@
           <p:txBody>
             <a:bodyPr wrap="square" lIns="0" tIns="0" rIns="0" bIns="0" rtlCol="0"/>
             <a:lstStyle/>
-            <a:p/>
+            <a:p>
+              <a:endParaRPr/>
+            </a:p>
           </p:txBody>
         </p:sp>
         <p:sp>
@@ -11397,7 +11548,9 @@
           <p:txBody>
             <a:bodyPr wrap="square" lIns="0" tIns="0" rIns="0" bIns="0" rtlCol="0"/>
             <a:lstStyle/>
-            <a:p/>
+            <a:p>
+              <a:endParaRPr/>
+            </a:p>
           </p:txBody>
         </p:sp>
         <p:sp>
@@ -11447,7 +11600,9 @@
           <p:txBody>
             <a:bodyPr wrap="square" lIns="0" tIns="0" rIns="0" bIns="0" rtlCol="0"/>
             <a:lstStyle/>
-            <a:p/>
+            <a:p>
+              <a:endParaRPr/>
+            </a:p>
           </p:txBody>
         </p:sp>
         <p:pic>
@@ -11457,7 +11612,7 @@
             <p:nvPr/>
           </p:nvPicPr>
           <p:blipFill>
-            <a:blip r:embed="rId1" cstate="print"/>
+            <a:blip r:embed="rId2" cstate="print"/>
             <a:stretch>
               <a:fillRect/>
             </a:stretch>
@@ -12332,7 +12487,9 @@
         <p:txBody>
           <a:bodyPr wrap="square" lIns="0" tIns="0" rIns="0" bIns="0" rtlCol="0"/>
           <a:lstStyle/>
-          <a:p/>
+          <a:p>
+            <a:endParaRPr/>
+          </a:p>
         </p:txBody>
       </p:sp>
       <p:sp>
@@ -12660,7 +12817,9 @@
         <p:txBody>
           <a:bodyPr wrap="square" lIns="0" tIns="0" rIns="0" bIns="0" rtlCol="0"/>
           <a:lstStyle/>
-          <a:p/>
+          <a:p>
+            <a:endParaRPr/>
+          </a:p>
         </p:txBody>
       </p:sp>
       <p:sp>
@@ -12822,9 +12981,11 @@
         <p:spPr/>
         <p:txBody>
           <a:bodyPr/>
+          <a:lstStyle/>
           <a:p>
             <a:fld id="{B6F15528-21DE-4FAA-801E-634DDDAF4B2B}" type="slidenum">
               <a:rPr/>
+              <a:t>24</a:t>
             </a:fld>
             <a:endParaRPr/>
           </a:p>
@@ -12914,7 +13075,9 @@
           <p:txBody>
             <a:bodyPr wrap="square" lIns="0" tIns="0" rIns="0" bIns="0" rtlCol="0"/>
             <a:lstStyle/>
-            <a:p/>
+            <a:p>
+              <a:endParaRPr/>
+            </a:p>
           </p:txBody>
         </p:sp>
         <p:sp>
@@ -12962,7 +13125,9 @@
           <p:txBody>
             <a:bodyPr wrap="square" lIns="0" tIns="0" rIns="0" bIns="0" rtlCol="0"/>
             <a:lstStyle/>
-            <a:p/>
+            <a:p>
+              <a:endParaRPr/>
+            </a:p>
           </p:txBody>
         </p:sp>
         <p:sp>
@@ -13012,7 +13177,9 @@
           <p:txBody>
             <a:bodyPr wrap="square" lIns="0" tIns="0" rIns="0" bIns="0" rtlCol="0"/>
             <a:lstStyle/>
-            <a:p/>
+            <a:p>
+              <a:endParaRPr/>
+            </a:p>
           </p:txBody>
         </p:sp>
         <p:pic>
@@ -13022,7 +13189,7 @@
             <p:nvPr/>
           </p:nvPicPr>
           <p:blipFill>
-            <a:blip r:embed="rId1" cstate="print"/>
+            <a:blip r:embed="rId2" cstate="print"/>
             <a:stretch>
               <a:fillRect/>
             </a:stretch>
@@ -13397,9 +13564,11 @@
         <p:spPr/>
         <p:txBody>
           <a:bodyPr/>
+          <a:lstStyle/>
           <a:p>
             <a:fld id="{B6F15528-21DE-4FAA-801E-634DDDAF4B2B}" type="slidenum">
               <a:rPr/>
+              <a:t>25</a:t>
             </a:fld>
             <a:endParaRPr/>
           </a:p>
@@ -13489,7 +13658,9 @@
           <p:txBody>
             <a:bodyPr wrap="square" lIns="0" tIns="0" rIns="0" bIns="0" rtlCol="0"/>
             <a:lstStyle/>
-            <a:p/>
+            <a:p>
+              <a:endParaRPr/>
+            </a:p>
           </p:txBody>
         </p:sp>
         <p:sp>
@@ -13537,7 +13708,9 @@
           <p:txBody>
             <a:bodyPr wrap="square" lIns="0" tIns="0" rIns="0" bIns="0" rtlCol="0"/>
             <a:lstStyle/>
-            <a:p/>
+            <a:p>
+              <a:endParaRPr/>
+            </a:p>
           </p:txBody>
         </p:sp>
         <p:sp>
@@ -13587,7 +13760,9 @@
           <p:txBody>
             <a:bodyPr wrap="square" lIns="0" tIns="0" rIns="0" bIns="0" rtlCol="0"/>
             <a:lstStyle/>
-            <a:p/>
+            <a:p>
+              <a:endParaRPr/>
+            </a:p>
           </p:txBody>
         </p:sp>
         <p:pic>
@@ -13597,7 +13772,7 @@
             <p:nvPr/>
           </p:nvPicPr>
           <p:blipFill>
-            <a:blip r:embed="rId1" cstate="print"/>
+            <a:blip r:embed="rId2" cstate="print"/>
             <a:stretch>
               <a:fillRect/>
             </a:stretch>
@@ -14456,9 +14631,11 @@
         <p:spPr/>
         <p:txBody>
           <a:bodyPr/>
+          <a:lstStyle/>
           <a:p>
             <a:fld id="{B6F15528-21DE-4FAA-801E-634DDDAF4B2B}" type="slidenum">
               <a:rPr/>
+              <a:t>26</a:t>
             </a:fld>
             <a:endParaRPr/>
           </a:p>
@@ -14548,7 +14725,9 @@
           <p:txBody>
             <a:bodyPr wrap="square" lIns="0" tIns="0" rIns="0" bIns="0" rtlCol="0"/>
             <a:lstStyle/>
-            <a:p/>
+            <a:p>
+              <a:endParaRPr/>
+            </a:p>
           </p:txBody>
         </p:sp>
         <p:sp>
@@ -14596,7 +14775,9 @@
           <p:txBody>
             <a:bodyPr wrap="square" lIns="0" tIns="0" rIns="0" bIns="0" rtlCol="0"/>
             <a:lstStyle/>
-            <a:p/>
+            <a:p>
+              <a:endParaRPr/>
+            </a:p>
           </p:txBody>
         </p:sp>
         <p:sp>
@@ -14646,7 +14827,9 @@
           <p:txBody>
             <a:bodyPr wrap="square" lIns="0" tIns="0" rIns="0" bIns="0" rtlCol="0"/>
             <a:lstStyle/>
-            <a:p/>
+            <a:p>
+              <a:endParaRPr/>
+            </a:p>
           </p:txBody>
         </p:sp>
         <p:pic>
@@ -14656,7 +14839,7 @@
             <p:nvPr/>
           </p:nvPicPr>
           <p:blipFill>
-            <a:blip r:embed="rId1" cstate="print"/>
+            <a:blip r:embed="rId2" cstate="print"/>
             <a:stretch>
               <a:fillRect/>
             </a:stretch>
@@ -16090,9 +16273,11 @@
         <p:spPr/>
         <p:txBody>
           <a:bodyPr/>
+          <a:lstStyle/>
           <a:p>
             <a:fld id="{B6F15528-21DE-4FAA-801E-634DDDAF4B2B}" type="slidenum">
               <a:rPr/>
+              <a:t>27</a:t>
             </a:fld>
             <a:endParaRPr/>
           </a:p>
@@ -16182,7 +16367,9 @@
           <p:txBody>
             <a:bodyPr wrap="square" lIns="0" tIns="0" rIns="0" bIns="0" rtlCol="0"/>
             <a:lstStyle/>
-            <a:p/>
+            <a:p>
+              <a:endParaRPr/>
+            </a:p>
           </p:txBody>
         </p:sp>
         <p:sp>
@@ -16230,7 +16417,9 @@
           <p:txBody>
             <a:bodyPr wrap="square" lIns="0" tIns="0" rIns="0" bIns="0" rtlCol="0"/>
             <a:lstStyle/>
-            <a:p/>
+            <a:p>
+              <a:endParaRPr/>
+            </a:p>
           </p:txBody>
         </p:sp>
         <p:sp>
@@ -16280,7 +16469,9 @@
           <p:txBody>
             <a:bodyPr wrap="square" lIns="0" tIns="0" rIns="0" bIns="0" rtlCol="0"/>
             <a:lstStyle/>
-            <a:p/>
+            <a:p>
+              <a:endParaRPr/>
+            </a:p>
           </p:txBody>
         </p:sp>
         <p:pic>
@@ -16290,7 +16481,7 @@
             <p:nvPr/>
           </p:nvPicPr>
           <p:blipFill>
-            <a:blip r:embed="rId1" cstate="print"/>
+            <a:blip r:embed="rId2" cstate="print"/>
             <a:stretch>
               <a:fillRect/>
             </a:stretch>
@@ -17441,9 +17632,11 @@
         <p:spPr/>
         <p:txBody>
           <a:bodyPr/>
+          <a:lstStyle/>
           <a:p>
             <a:fld id="{B6F15528-21DE-4FAA-801E-634DDDAF4B2B}" type="slidenum">
               <a:rPr/>
+              <a:t>28</a:t>
             </a:fld>
             <a:endParaRPr/>
           </a:p>
@@ -17533,7 +17726,9 @@
           <p:txBody>
             <a:bodyPr wrap="square" lIns="0" tIns="0" rIns="0" bIns="0" rtlCol="0"/>
             <a:lstStyle/>
-            <a:p/>
+            <a:p>
+              <a:endParaRPr/>
+            </a:p>
           </p:txBody>
         </p:sp>
         <p:sp>
@@ -17581,7 +17776,9 @@
           <p:txBody>
             <a:bodyPr wrap="square" lIns="0" tIns="0" rIns="0" bIns="0" rtlCol="0"/>
             <a:lstStyle/>
-            <a:p/>
+            <a:p>
+              <a:endParaRPr/>
+            </a:p>
           </p:txBody>
         </p:sp>
         <p:sp>
@@ -17631,7 +17828,9 @@
           <p:txBody>
             <a:bodyPr wrap="square" lIns="0" tIns="0" rIns="0" bIns="0" rtlCol="0"/>
             <a:lstStyle/>
-            <a:p/>
+            <a:p>
+              <a:endParaRPr/>
+            </a:p>
           </p:txBody>
         </p:sp>
         <p:pic>
@@ -17641,7 +17840,7 @@
             <p:nvPr/>
           </p:nvPicPr>
           <p:blipFill>
-            <a:blip r:embed="rId1" cstate="print"/>
+            <a:blip r:embed="rId2" cstate="print"/>
             <a:stretch>
               <a:fillRect/>
             </a:stretch>
@@ -18499,9 +18698,11 @@
         <p:spPr/>
         <p:txBody>
           <a:bodyPr/>
+          <a:lstStyle/>
           <a:p>
             <a:fld id="{B6F15528-21DE-4FAA-801E-634DDDAF4B2B}" type="slidenum">
               <a:rPr/>
+              <a:t>29</a:t>
             </a:fld>
             <a:endParaRPr/>
           </a:p>
@@ -18539,7 +18740,7 @@
           <p:nvPr/>
         </p:nvPicPr>
         <p:blipFill>
-          <a:blip r:embed="rId1" cstate="print"/>
+          <a:blip r:embed="rId2" cstate="print"/>
           <a:stretch>
             <a:fillRect/>
           </a:stretch>
@@ -18907,9 +19108,11 @@
         <p:spPr/>
         <p:txBody>
           <a:bodyPr/>
+          <a:lstStyle/>
           <a:p>
             <a:fld id="{B6F15528-21DE-4FAA-801E-634DDDAF4B2B}" type="slidenum">
               <a:rPr/>
+              <a:t>3</a:t>
             </a:fld>
             <a:endParaRPr/>
           </a:p>
@@ -19061,7 +19264,6 @@
               <a:rPr spc="15" dirty="0"/>
               <a:t>e</a:t>
             </a:r>
-            <a:endParaRPr spc="15" dirty="0"/>
           </a:p>
         </p:txBody>
       </p:sp>
@@ -19439,7 +19641,9 @@
         <p:txBody>
           <a:bodyPr wrap="square" lIns="0" tIns="0" rIns="0" bIns="0" rtlCol="0"/>
           <a:lstStyle/>
-          <a:p/>
+          <a:p>
+            <a:endParaRPr/>
+          </a:p>
         </p:txBody>
       </p:sp>
       <p:sp>
@@ -19526,7 +19730,9 @@
         <p:txBody>
           <a:bodyPr wrap="square" lIns="0" tIns="0" rIns="0" bIns="0" rtlCol="0"/>
           <a:lstStyle/>
-          <a:p/>
+          <a:p>
+            <a:endParaRPr/>
+          </a:p>
         </p:txBody>
       </p:sp>
       <p:grpSp>
@@ -19648,7 +19854,9 @@
           <p:txBody>
             <a:bodyPr wrap="square" lIns="0" tIns="0" rIns="0" bIns="0" rtlCol="0"/>
             <a:lstStyle/>
-            <a:p/>
+            <a:p>
+              <a:endParaRPr/>
+            </a:p>
           </p:txBody>
         </p:sp>
         <p:sp>
@@ -19756,7 +19964,9 @@
           <p:txBody>
             <a:bodyPr wrap="square" lIns="0" tIns="0" rIns="0" bIns="0" rtlCol="0"/>
             <a:lstStyle/>
-            <a:p/>
+            <a:p>
+              <a:endParaRPr/>
+            </a:p>
           </p:txBody>
         </p:sp>
       </p:grpSp>
@@ -19879,7 +20089,9 @@
           <p:txBody>
             <a:bodyPr wrap="square" lIns="0" tIns="0" rIns="0" bIns="0" rtlCol="0"/>
             <a:lstStyle/>
-            <a:p/>
+            <a:p>
+              <a:endParaRPr/>
+            </a:p>
           </p:txBody>
         </p:sp>
         <p:sp>
@@ -19984,7 +20196,9 @@
           <p:txBody>
             <a:bodyPr wrap="square" lIns="0" tIns="0" rIns="0" bIns="0" rtlCol="0"/>
             <a:lstStyle/>
-            <a:p/>
+            <a:p>
+              <a:endParaRPr/>
+            </a:p>
           </p:txBody>
         </p:sp>
       </p:grpSp>
@@ -20437,9 +20651,11 @@
         <p:spPr/>
         <p:txBody>
           <a:bodyPr/>
+          <a:lstStyle/>
           <a:p>
             <a:fld id="{B6F15528-21DE-4FAA-801E-634DDDAF4B2B}" type="slidenum">
               <a:rPr/>
+              <a:t>30</a:t>
             </a:fld>
             <a:endParaRPr/>
           </a:p>
@@ -20591,7 +20807,6 @@
               <a:rPr spc="15" dirty="0"/>
               <a:t>e</a:t>
             </a:r>
-            <a:endParaRPr spc="15" dirty="0"/>
           </a:p>
         </p:txBody>
       </p:sp>
@@ -20969,7 +21184,9 @@
         <p:txBody>
           <a:bodyPr wrap="square" lIns="0" tIns="0" rIns="0" bIns="0" rtlCol="0"/>
           <a:lstStyle/>
-          <a:p/>
+          <a:p>
+            <a:endParaRPr/>
+          </a:p>
         </p:txBody>
       </p:sp>
       <p:sp>
@@ -21056,7 +21273,9 @@
         <p:txBody>
           <a:bodyPr wrap="square" lIns="0" tIns="0" rIns="0" bIns="0" rtlCol="0"/>
           <a:lstStyle/>
-          <a:p/>
+          <a:p>
+            <a:endParaRPr/>
+          </a:p>
         </p:txBody>
       </p:sp>
       <p:grpSp>
@@ -21178,7 +21397,9 @@
           <p:txBody>
             <a:bodyPr wrap="square" lIns="0" tIns="0" rIns="0" bIns="0" rtlCol="0"/>
             <a:lstStyle/>
-            <a:p/>
+            <a:p>
+              <a:endParaRPr/>
+            </a:p>
           </p:txBody>
         </p:sp>
         <p:sp>
@@ -21286,7 +21507,9 @@
           <p:txBody>
             <a:bodyPr wrap="square" lIns="0" tIns="0" rIns="0" bIns="0" rtlCol="0"/>
             <a:lstStyle/>
-            <a:p/>
+            <a:p>
+              <a:endParaRPr/>
+            </a:p>
           </p:txBody>
         </p:sp>
       </p:grpSp>
@@ -21371,7 +21594,9 @@
         <p:txBody>
           <a:bodyPr wrap="square" lIns="0" tIns="0" rIns="0" bIns="0" rtlCol="0"/>
           <a:lstStyle/>
-          <a:p/>
+          <a:p>
+            <a:endParaRPr/>
+          </a:p>
         </p:txBody>
       </p:sp>
       <p:sp>
@@ -21555,7 +21780,7 @@
               </a:rPr>
               <a:t>Component</a:t>
             </a:r>
-            <a:endParaRPr sz="3600">
+            <a:endParaRPr sz="3600" dirty="0">
               <a:latin typeface="Arial" panose="020B0604020202020204"/>
               <a:cs typeface="Arial" panose="020B0604020202020204"/>
             </a:endParaRPr>
@@ -21823,9 +22048,11 @@
         <p:spPr/>
         <p:txBody>
           <a:bodyPr/>
+          <a:lstStyle/>
           <a:p>
             <a:fld id="{B6F15528-21DE-4FAA-801E-634DDDAF4B2B}" type="slidenum">
               <a:rPr/>
+              <a:t>31</a:t>
             </a:fld>
             <a:endParaRPr/>
           </a:p>
@@ -22039,7 +22266,6 @@
               <a:rPr spc="-1475" dirty="0"/>
               <a:t>…</a:t>
             </a:r>
-            <a:endParaRPr spc="-1475" dirty="0"/>
           </a:p>
         </p:txBody>
       </p:sp>
@@ -22050,7 +22276,7 @@
           <p:nvPr/>
         </p:nvPicPr>
         <p:blipFill>
-          <a:blip r:embed="rId1" cstate="print"/>
+          <a:blip r:embed="rId2" cstate="print"/>
           <a:stretch>
             <a:fillRect/>
           </a:stretch>
@@ -22078,9 +22304,11 @@
         <p:spPr/>
         <p:txBody>
           <a:bodyPr/>
+          <a:lstStyle/>
           <a:p>
             <a:fld id="{B6F15528-21DE-4FAA-801E-634DDDAF4B2B}" type="slidenum">
               <a:rPr/>
+              <a:t>32</a:t>
             </a:fld>
             <a:endParaRPr/>
           </a:p>
@@ -22232,7 +22460,6 @@
               <a:rPr spc="15" dirty="0"/>
               <a:t>e</a:t>
             </a:r>
-            <a:endParaRPr spc="15" dirty="0"/>
           </a:p>
         </p:txBody>
       </p:sp>
@@ -22355,7 +22582,9 @@
           <p:txBody>
             <a:bodyPr wrap="square" lIns="0" tIns="0" rIns="0" bIns="0" rtlCol="0"/>
             <a:lstStyle/>
-            <a:p/>
+            <a:p>
+              <a:endParaRPr/>
+            </a:p>
           </p:txBody>
         </p:sp>
         <p:sp>
@@ -22460,7 +22689,9 @@
           <p:txBody>
             <a:bodyPr wrap="square" lIns="0" tIns="0" rIns="0" bIns="0" rtlCol="0"/>
             <a:lstStyle/>
-            <a:p/>
+            <a:p>
+              <a:endParaRPr/>
+            </a:p>
           </p:txBody>
         </p:sp>
       </p:grpSp>
@@ -22566,7 +22797,9 @@
         <p:txBody>
           <a:bodyPr wrap="square" lIns="0" tIns="0" rIns="0" bIns="0" rtlCol="0"/>
           <a:lstStyle/>
-          <a:p/>
+          <a:p>
+            <a:endParaRPr/>
+          </a:p>
         </p:txBody>
       </p:sp>
       <p:sp>
@@ -22653,7 +22886,9 @@
         <p:txBody>
           <a:bodyPr wrap="square" lIns="0" tIns="0" rIns="0" bIns="0" rtlCol="0"/>
           <a:lstStyle/>
-          <a:p/>
+          <a:p>
+            <a:endParaRPr/>
+          </a:p>
         </p:txBody>
       </p:sp>
       <p:grpSp>
@@ -22775,7 +23010,9 @@
           <p:txBody>
             <a:bodyPr wrap="square" lIns="0" tIns="0" rIns="0" bIns="0" rtlCol="0"/>
             <a:lstStyle/>
-            <a:p/>
+            <a:p>
+              <a:endParaRPr/>
+            </a:p>
           </p:txBody>
         </p:sp>
         <p:sp>
@@ -22883,7 +23120,9 @@
           <p:txBody>
             <a:bodyPr wrap="square" lIns="0" tIns="0" rIns="0" bIns="0" rtlCol="0"/>
             <a:lstStyle/>
-            <a:p/>
+            <a:p>
+              <a:endParaRPr/>
+            </a:p>
           </p:txBody>
         </p:sp>
       </p:grpSp>
@@ -23608,9 +23847,11 @@
         <p:spPr/>
         <p:txBody>
           <a:bodyPr/>
+          <a:lstStyle/>
           <a:p>
             <a:fld id="{B6F15528-21DE-4FAA-801E-634DDDAF4B2B}" type="slidenum">
               <a:rPr/>
+              <a:t>4</a:t>
             </a:fld>
             <a:endParaRPr/>
           </a:p>
@@ -23762,7 +24003,6 @@
               <a:rPr spc="15" dirty="0"/>
               <a:t>e</a:t>
             </a:r>
-            <a:endParaRPr spc="15" dirty="0"/>
           </a:p>
         </p:txBody>
       </p:sp>
@@ -23885,7 +24125,9 @@
           <p:txBody>
             <a:bodyPr wrap="square" lIns="0" tIns="0" rIns="0" bIns="0" rtlCol="0"/>
             <a:lstStyle/>
-            <a:p/>
+            <a:p>
+              <a:endParaRPr/>
+            </a:p>
           </p:txBody>
         </p:sp>
         <p:sp>
@@ -23990,7 +24232,9 @@
           <p:txBody>
             <a:bodyPr wrap="square" lIns="0" tIns="0" rIns="0" bIns="0" rtlCol="0"/>
             <a:lstStyle/>
-            <a:p/>
+            <a:p>
+              <a:endParaRPr/>
+            </a:p>
           </p:txBody>
         </p:sp>
       </p:grpSp>
@@ -24096,7 +24340,9 @@
         <p:txBody>
           <a:bodyPr wrap="square" lIns="0" tIns="0" rIns="0" bIns="0" rtlCol="0"/>
           <a:lstStyle/>
-          <a:p/>
+          <a:p>
+            <a:endParaRPr/>
+          </a:p>
         </p:txBody>
       </p:sp>
       <p:sp>
@@ -24183,7 +24429,9 @@
         <p:txBody>
           <a:bodyPr wrap="square" lIns="0" tIns="0" rIns="0" bIns="0" rtlCol="0"/>
           <a:lstStyle/>
-          <a:p/>
+          <a:p>
+            <a:endParaRPr/>
+          </a:p>
         </p:txBody>
       </p:sp>
       <p:grpSp>
@@ -24305,7 +24553,9 @@
           <p:txBody>
             <a:bodyPr wrap="square" lIns="0" tIns="0" rIns="0" bIns="0" rtlCol="0"/>
             <a:lstStyle/>
-            <a:p/>
+            <a:p>
+              <a:endParaRPr/>
+            </a:p>
           </p:txBody>
         </p:sp>
         <p:sp>
@@ -24413,7 +24663,9 @@
           <p:txBody>
             <a:bodyPr wrap="square" lIns="0" tIns="0" rIns="0" bIns="0" rtlCol="0"/>
             <a:lstStyle/>
-            <a:p/>
+            <a:p>
+              <a:endParaRPr/>
+            </a:p>
           </p:txBody>
         </p:sp>
       </p:grpSp>
@@ -25138,9 +25390,11 @@
         <p:spPr/>
         <p:txBody>
           <a:bodyPr/>
+          <a:lstStyle/>
           <a:p>
             <a:fld id="{B6F15528-21DE-4FAA-801E-634DDDAF4B2B}" type="slidenum">
               <a:rPr/>
+              <a:t>5</a:t>
             </a:fld>
             <a:endParaRPr/>
           </a:p>
@@ -25163,7 +25417,14 @@
         <p:cNvGrpSpPr/>
         <p:nvPr/>
       </p:nvGrpSpPr>
-      <p:grpSpPr/>
+      <p:grpSpPr>
+        <a:xfrm>
+          <a:off x="0" y="0"/>
+          <a:ext cx="0" cy="0"/>
+          <a:chOff x="0" y="0"/>
+          <a:chExt cx="0" cy="0"/>
+        </a:xfrm>
+      </p:grpSpPr>
       <p:sp>
         <p:nvSpPr>
           <p:cNvPr id="6" name="Title 5"/>
@@ -25177,6 +25438,7 @@
         <p:spPr/>
         <p:txBody>
           <a:bodyPr/>
+          <a:lstStyle/>
           <a:p>
             <a:endParaRPr lang="en-US"/>
           </a:p>
@@ -25195,9 +25457,11 @@
         <p:spPr/>
         <p:txBody>
           <a:bodyPr/>
+          <a:lstStyle/>
           <a:p>
             <a:fld id="{B6F15528-21DE-4FAA-801E-634DDDAF4B2B}" type="slidenum">
               <a:rPr/>
+              <a:t>6</a:t>
             </a:fld>
             <a:endParaRPr/>
           </a:p>
@@ -25216,6 +25480,7 @@
         <p:spPr/>
         <p:txBody>
           <a:bodyPr/>
+          <a:lstStyle/>
           <a:p>
             <a:endParaRPr lang="en-US"/>
           </a:p>
@@ -25225,14 +25490,14 @@
         <p:nvPicPr>
           <p:cNvPr id="5" name="Content Placeholder 4"/>
           <p:cNvPicPr>
-            <a:picLocks noChangeAspect="1"/>
+            <a:picLocks noGrp="1" noChangeAspect="1"/>
           </p:cNvPicPr>
           <p:nvPr>
             <p:ph sz="half" idx="2"/>
           </p:nvPr>
         </p:nvPicPr>
         <p:blipFill>
-          <a:blip r:embed="rId1"/>
+          <a:blip r:embed="rId2"/>
           <a:stretch>
             <a:fillRect/>
           </a:stretch>
@@ -25264,7 +25529,14 @@
         <p:cNvGrpSpPr/>
         <p:nvPr/>
       </p:nvGrpSpPr>
-      <p:grpSpPr/>
+      <p:grpSpPr>
+        <a:xfrm>
+          <a:off x="0" y="0"/>
+          <a:ext cx="0" cy="0"/>
+          <a:chOff x="0" y="0"/>
+          <a:chExt cx="0" cy="0"/>
+        </a:xfrm>
+      </p:grpSpPr>
       <p:sp>
         <p:nvSpPr>
           <p:cNvPr id="4" name="Slide Number Placeholder 3"/>
@@ -25278,9 +25550,11 @@
         <p:spPr/>
         <p:txBody>
           <a:bodyPr/>
+          <a:lstStyle/>
           <a:p>
             <a:fld id="{B6F15528-21DE-4FAA-801E-634DDDAF4B2B}" type="slidenum">
               <a:rPr/>
+              <a:t>7</a:t>
             </a:fld>
             <a:endParaRPr/>
           </a:p>
@@ -25290,14 +25564,14 @@
         <p:nvPicPr>
           <p:cNvPr id="5" name="Content Placeholder 4"/>
           <p:cNvPicPr>
-            <a:picLocks noChangeAspect="1"/>
+            <a:picLocks noGrp="1" noChangeAspect="1"/>
           </p:cNvPicPr>
           <p:nvPr>
             <p:ph sz="half" idx="2"/>
           </p:nvPr>
         </p:nvPicPr>
         <p:blipFill>
-          <a:blip r:embed="rId1"/>
+          <a:blip r:embed="rId2"/>
           <a:stretch>
             <a:fillRect/>
           </a:stretch>
@@ -25316,22 +25590,21 @@
         <p:nvPicPr>
           <p:cNvPr id="8" name="Content Placeholder 7"/>
           <p:cNvPicPr>
-            <a:picLocks noChangeAspect="1"/>
+            <a:picLocks noGrp="1" noChangeAspect="1"/>
           </p:cNvPicPr>
           <p:nvPr>
             <p:ph sz="half" idx="3"/>
           </p:nvPr>
         </p:nvPicPr>
-        <p:blipFill>
-          <a:blip r:embed="rId2"/>
-          <a:stretch>
-            <a:fillRect/>
-          </a:stretch>
+        <p:blipFill rotWithShape="1">
+          <a:blip r:embed="rId3"/>
+          <a:srcRect l="2252" b="12594"/>
+          <a:stretch/>
         </p:blipFill>
         <p:spPr>
           <a:xfrm>
-            <a:off x="2743200" y="5295900"/>
-            <a:ext cx="10153015" cy="3312795"/>
+            <a:off x="2971800" y="5295901"/>
+            <a:ext cx="9924415" cy="2895600"/>
           </a:xfrm>
           <a:prstGeom prst="rect">
             <a:avLst/>
@@ -25369,11 +25642,17 @@
           <p:cNvGraphicFramePr>
             <a:graphicFrameLocks noGrp="1"/>
           </p:cNvGraphicFramePr>
-          <p:nvPr/>
+          <p:nvPr>
+            <p:extLst>
+              <p:ext uri="{D42A27DB-BD31-4B8C-83A1-F6EECF244321}">
+                <p14:modId xmlns:p14="http://schemas.microsoft.com/office/powerpoint/2010/main" val="3392249237"/>
+              </p:ext>
+            </p:extLst>
+          </p:nvPr>
         </p:nvGraphicFramePr>
         <p:xfrm>
           <a:off x="5910783" y="4662393"/>
-          <a:ext cx="3154045" cy="4520565"/>
+          <a:ext cx="3134995" cy="4507583"/>
         </p:xfrm>
         <a:graphic>
           <a:graphicData uri="http://schemas.openxmlformats.org/drawingml/2006/table">
@@ -25382,8 +25661,20 @@
                 <a:tableStyleId>{2D5ABB26-0587-4C30-8999-92F81FD0307C}</a:tableStyleId>
               </a:tblPr>
               <a:tblGrid>
-                <a:gridCol w="1572260"/>
-                <a:gridCol w="1562735"/>
+                <a:gridCol w="1572260">
+                  <a:extLst>
+                    <a:ext uri="{9D8B030D-6E8A-4147-A177-3AD203B41FA5}">
+                      <a16:colId xmlns:a16="http://schemas.microsoft.com/office/drawing/2014/main" val="20000"/>
+                    </a:ext>
+                  </a:extLst>
+                </a:gridCol>
+                <a:gridCol w="1562735">
+                  <a:extLst>
+                    <a:ext uri="{9D8B030D-6E8A-4147-A177-3AD203B41FA5}">
+                      <a16:colId xmlns:a16="http://schemas.microsoft.com/office/drawing/2014/main" val="20001"/>
+                    </a:ext>
+                  </a:extLst>
+                </a:gridCol>
               </a:tblGrid>
               <a:tr h="867206">
                 <a:tc gridSpan="2">
@@ -25446,8 +25737,20 @@
                   </a:tcPr>
                 </a:tc>
                 <a:tc hMerge="1">
+                  <a:txBody>
+                    <a:bodyPr/>
+                    <a:lstStyle/>
+                    <a:p>
+                      <a:endParaRPr lang="en-US"/>
+                    </a:p>
+                  </a:txBody>
                   <a:tcPr marL="0" marR="0" marT="0" marB="0"/>
                 </a:tc>
+                <a:extLst>
+                  <a:ext uri="{0D108BD9-81ED-4DB2-BD59-A6C34878D82A}">
+                    <a16:rowId xmlns:a16="http://schemas.microsoft.com/office/drawing/2014/main" val="10000"/>
+                  </a:ext>
+                </a:extLst>
               </a:tr>
               <a:tr h="348318">
                 <a:tc>
@@ -25524,6 +25827,11 @@
                     </a:lnB>
                   </a:tcPr>
                 </a:tc>
+                <a:extLst>
+                  <a:ext uri="{0D108BD9-81ED-4DB2-BD59-A6C34878D82A}">
+                    <a16:rowId xmlns:a16="http://schemas.microsoft.com/office/drawing/2014/main" val="10001"/>
+                  </a:ext>
+                </a:extLst>
               </a:tr>
               <a:tr h="867206">
                 <a:tc>
@@ -25643,7 +25951,7 @@
                         </a:spcBef>
                       </a:pPr>
                       <a:r>
-                        <a:rPr sz="2400" b="1" spc="5" dirty="0">
+                        <a:rPr sz="2400" b="1" spc="5" dirty="0" err="1">
                           <a:solidFill>
                             <a:srgbClr val="FFFFFF"/>
                           </a:solidFill>
@@ -25661,16 +25969,6 @@
                           <a:cs typeface="Arial" panose="020B0604020202020204"/>
                         </a:rPr>
                         <a:t> </a:t>
-                      </a:r>
-                      <a:r>
-                        <a:rPr sz="2400" b="1" spc="225" dirty="0">
-                          <a:solidFill>
-                            <a:srgbClr val="FFFFFF"/>
-                          </a:solidFill>
-                          <a:latin typeface="Arial" panose="020B0604020202020204"/>
-                          <a:cs typeface="Arial" panose="020B0604020202020204"/>
-                        </a:rPr>
-                        <a:t>- </a:t>
                       </a:r>
                       <a:r>
                         <a:rPr sz="2400" b="1" spc="-655" dirty="0">
@@ -25692,7 +25990,7 @@
                         </a:rPr>
                         <a:t>onent</a:t>
                       </a:r>
-                      <a:endParaRPr sz="2400">
+                      <a:endParaRPr sz="2400" dirty="0">
                         <a:latin typeface="Arial" panose="020B0604020202020204"/>
                         <a:cs typeface="Arial" panose="020B0604020202020204"/>
                       </a:endParaRPr>
@@ -25722,6 +26020,11 @@
                     </a:solidFill>
                   </a:tcPr>
                 </a:tc>
+                <a:extLst>
+                  <a:ext uri="{0D108BD9-81ED-4DB2-BD59-A6C34878D82A}">
+                    <a16:rowId xmlns:a16="http://schemas.microsoft.com/office/drawing/2014/main" val="10002"/>
+                  </a:ext>
+                </a:extLst>
               </a:tr>
               <a:tr h="348318">
                 <a:tc>
@@ -25798,6 +26101,11 @@
                     </a:lnB>
                   </a:tcPr>
                 </a:tc>
+                <a:extLst>
+                  <a:ext uri="{0D108BD9-81ED-4DB2-BD59-A6C34878D82A}">
+                    <a16:rowId xmlns:a16="http://schemas.microsoft.com/office/drawing/2014/main" val="10003"/>
+                  </a:ext>
+                </a:extLst>
               </a:tr>
               <a:tr h="864108">
                 <a:tc>
@@ -25898,17 +26206,7 @@
                           <a:latin typeface="Arial" panose="020B0604020202020204"/>
                           <a:cs typeface="Arial" panose="020B0604020202020204"/>
                         </a:rPr>
-                        <a:t>o</a:t>
-                      </a:r>
-                      <a:r>
-                        <a:rPr sz="2400" b="1" spc="-5" dirty="0">
-                          <a:solidFill>
-                            <a:srgbClr val="FFFFFF"/>
-                          </a:solidFill>
-                          <a:latin typeface="Arial" panose="020B0604020202020204"/>
-                          <a:cs typeface="Arial" panose="020B0604020202020204"/>
-                        </a:rPr>
-                        <a:t>S</a:t>
+                        <a:t>oS</a:t>
                       </a:r>
                       <a:r>
                         <a:rPr sz="2400" b="1" dirty="0">
@@ -26020,6 +26318,11 @@
                     </a:solidFill>
                   </a:tcPr>
                 </a:tc>
+                <a:extLst>
+                  <a:ext uri="{0D108BD9-81ED-4DB2-BD59-A6C34878D82A}">
+                    <a16:rowId xmlns:a16="http://schemas.microsoft.com/office/drawing/2014/main" val="10004"/>
+                  </a:ext>
+                </a:extLst>
               </a:tr>
               <a:tr h="348319">
                 <a:tc>
@@ -26096,6 +26399,11 @@
                     </a:lnB>
                   </a:tcPr>
                 </a:tc>
+                <a:extLst>
+                  <a:ext uri="{0D108BD9-81ED-4DB2-BD59-A6C34878D82A}">
+                    <a16:rowId xmlns:a16="http://schemas.microsoft.com/office/drawing/2014/main" val="10005"/>
+                  </a:ext>
+                </a:extLst>
               </a:tr>
               <a:tr h="864108">
                 <a:tc gridSpan="2">
@@ -26121,7 +26429,7 @@
                         </a:rPr>
                         <a:t>StarComponent</a:t>
                       </a:r>
-                      <a:endParaRPr sz="2400">
+                      <a:endParaRPr sz="2400" dirty="0">
                         <a:latin typeface="Arial" panose="020B0604020202020204"/>
                         <a:cs typeface="Arial" panose="020B0604020202020204"/>
                       </a:endParaRPr>
@@ -26158,8 +26466,20 @@
                   </a:tcPr>
                 </a:tc>
                 <a:tc hMerge="1">
+                  <a:txBody>
+                    <a:bodyPr/>
+                    <a:lstStyle/>
+                    <a:p>
+                      <a:endParaRPr lang="en-US"/>
+                    </a:p>
+                  </a:txBody>
                   <a:tcPr marL="0" marR="0" marT="0" marB="0"/>
                 </a:tc>
+                <a:extLst>
+                  <a:ext uri="{0D108BD9-81ED-4DB2-BD59-A6C34878D82A}">
+                    <a16:rowId xmlns:a16="http://schemas.microsoft.com/office/drawing/2014/main" val="10006"/>
+                  </a:ext>
+                </a:extLst>
               </a:tr>
             </a:tbl>
           </a:graphicData>
@@ -27347,7 +27667,9 @@
         <p:txBody>
           <a:bodyPr wrap="square" lIns="0" tIns="0" rIns="0" bIns="0" rtlCol="0"/>
           <a:lstStyle/>
-          <a:p/>
+          <a:p>
+            <a:endParaRPr/>
+          </a:p>
         </p:txBody>
       </p:sp>
       <p:sp>
@@ -27932,7 +28254,9 @@
         <p:txBody>
           <a:bodyPr wrap="square" lIns="0" tIns="0" rIns="0" bIns="0" rtlCol="0"/>
           <a:lstStyle/>
-          <a:p/>
+          <a:p>
+            <a:endParaRPr/>
+          </a:p>
         </p:txBody>
       </p:sp>
       <p:sp>
@@ -28646,7 +28970,9 @@
         <p:txBody>
           <a:bodyPr wrap="square" lIns="0" tIns="0" rIns="0" bIns="0" rtlCol="0"/>
           <a:lstStyle/>
-          <a:p/>
+          <a:p>
+            <a:endParaRPr/>
+          </a:p>
         </p:txBody>
       </p:sp>
       <p:sp>
@@ -28717,7 +29043,7 @@
         </p:nvGraphicFramePr>
         <p:xfrm>
           <a:off x="1112007" y="335348"/>
-          <a:ext cx="10102215" cy="1070610"/>
+          <a:ext cx="10083164" cy="1057640"/>
         </p:xfrm>
         <a:graphic>
           <a:graphicData uri="http://schemas.openxmlformats.org/drawingml/2006/table">
@@ -28726,11 +29052,41 @@
                 <a:tableStyleId>{2D5ABB26-0587-4C30-8999-92F81FD0307C}</a:tableStyleId>
               </a:tblPr>
               <a:tblGrid>
-                <a:gridCol w="2903220"/>
-                <a:gridCol w="605790"/>
-                <a:gridCol w="2903219"/>
-                <a:gridCol w="605790"/>
-                <a:gridCol w="3065145"/>
+                <a:gridCol w="2903220">
+                  <a:extLst>
+                    <a:ext uri="{9D8B030D-6E8A-4147-A177-3AD203B41FA5}">
+                      <a16:colId xmlns:a16="http://schemas.microsoft.com/office/drawing/2014/main" val="20000"/>
+                    </a:ext>
+                  </a:extLst>
+                </a:gridCol>
+                <a:gridCol w="605790">
+                  <a:extLst>
+                    <a:ext uri="{9D8B030D-6E8A-4147-A177-3AD203B41FA5}">
+                      <a16:colId xmlns:a16="http://schemas.microsoft.com/office/drawing/2014/main" val="20001"/>
+                    </a:ext>
+                  </a:extLst>
+                </a:gridCol>
+                <a:gridCol w="2903219">
+                  <a:extLst>
+                    <a:ext uri="{9D8B030D-6E8A-4147-A177-3AD203B41FA5}">
+                      <a16:colId xmlns:a16="http://schemas.microsoft.com/office/drawing/2014/main" val="20002"/>
+                    </a:ext>
+                  </a:extLst>
+                </a:gridCol>
+                <a:gridCol w="605790">
+                  <a:extLst>
+                    <a:ext uri="{9D8B030D-6E8A-4147-A177-3AD203B41FA5}">
+                      <a16:colId xmlns:a16="http://schemas.microsoft.com/office/drawing/2014/main" val="20003"/>
+                    </a:ext>
+                  </a:extLst>
+                </a:gridCol>
+                <a:gridCol w="3065145">
+                  <a:extLst>
+                    <a:ext uri="{9D8B030D-6E8A-4147-A177-3AD203B41FA5}">
+                      <a16:colId xmlns:a16="http://schemas.microsoft.com/office/drawing/2014/main" val="20004"/>
+                    </a:ext>
+                  </a:extLst>
+                </a:gridCol>
               </a:tblGrid>
               <a:tr h="1057640">
                 <a:tc>
@@ -28978,6 +29334,11 @@
                     </a:solidFill>
                   </a:tcPr>
                 </a:tc>
+                <a:extLst>
+                  <a:ext uri="{0D108BD9-81ED-4DB2-BD59-A6C34878D82A}">
+                    <a16:rowId xmlns:a16="http://schemas.microsoft.com/office/drawing/2014/main" val="10000"/>
+                  </a:ext>
+                </a:extLst>
               </a:tr>
             </a:tbl>
           </a:graphicData>
@@ -29100,17 +29461,7 @@
                 <a:latin typeface="Arial" panose="020B0604020202020204"/>
                 <a:cs typeface="Arial" panose="020B0604020202020204"/>
               </a:rPr>
-              <a:t>a</a:t>
-            </a:r>
-            <a:r>
-              <a:rPr sz="2400" b="1" spc="-25" dirty="0">
-                <a:solidFill>
-                  <a:srgbClr val="2A9FBC"/>
-                </a:solidFill>
-                <a:latin typeface="Arial" panose="020B0604020202020204"/>
-                <a:cs typeface="Arial" panose="020B0604020202020204"/>
-              </a:rPr>
-              <a:t>r</a:t>
+              <a:t>ar</a:t>
             </a:r>
             <a:r>
               <a:rPr sz="2400" b="1" spc="-70" dirty="0">
@@ -29226,7 +29577,9 @@
         <p:txBody>
           <a:bodyPr wrap="square" lIns="0" tIns="0" rIns="0" bIns="0" rtlCol="0"/>
           <a:lstStyle/>
-          <a:p/>
+          <a:p>
+            <a:endParaRPr/>
+          </a:p>
         </p:txBody>
       </p:sp>
       <p:sp>
@@ -29266,7 +29619,9 @@
         <p:txBody>
           <a:bodyPr wrap="square" lIns="0" tIns="0" rIns="0" bIns="0" rtlCol="0"/>
           <a:lstStyle/>
-          <a:p/>
+          <a:p>
+            <a:endParaRPr/>
+          </a:p>
         </p:txBody>
       </p:sp>
       <p:sp>
@@ -29306,7 +29661,9 @@
         <p:txBody>
           <a:bodyPr wrap="square" lIns="0" tIns="0" rIns="0" bIns="0" rtlCol="0"/>
           <a:lstStyle/>
-          <a:p/>
+          <a:p>
+            <a:endParaRPr/>
+          </a:p>
         </p:txBody>
       </p:sp>
       <p:sp>
@@ -29346,7 +29703,9 @@
         <p:txBody>
           <a:bodyPr wrap="square" lIns="0" tIns="0" rIns="0" bIns="0" rtlCol="0"/>
           <a:lstStyle/>
-          <a:p/>
+          <a:p>
+            <a:endParaRPr/>
+          </a:p>
         </p:txBody>
       </p:sp>
       <p:sp>
@@ -29362,9 +29721,11 @@
         <p:spPr/>
         <p:txBody>
           <a:bodyPr/>
+          <a:lstStyle/>
           <a:p>
             <a:fld id="{B6F15528-21DE-4FAA-801E-634DDDAF4B2B}" type="slidenum">
               <a:rPr/>
+              <a:t>8</a:t>
             </a:fld>
             <a:endParaRPr/>
           </a:p>
@@ -30577,7 +30938,9 @@
         <p:txBody>
           <a:bodyPr wrap="square" lIns="0" tIns="0" rIns="0" bIns="0" rtlCol="0"/>
           <a:lstStyle/>
-          <a:p/>
+          <a:p>
+            <a:endParaRPr/>
+          </a:p>
         </p:txBody>
       </p:sp>
       <p:sp>
@@ -31162,7 +31525,9 @@
         <p:txBody>
           <a:bodyPr wrap="square" lIns="0" tIns="0" rIns="0" bIns="0" rtlCol="0"/>
           <a:lstStyle/>
-          <a:p/>
+          <a:p>
+            <a:endParaRPr/>
+          </a:p>
         </p:txBody>
       </p:sp>
       <p:sp>
@@ -32413,7 +32778,9 @@
         <p:txBody>
           <a:bodyPr wrap="square" lIns="0" tIns="0" rIns="0" bIns="0" rtlCol="0"/>
           <a:lstStyle/>
-          <a:p/>
+          <a:p>
+            <a:endParaRPr/>
+          </a:p>
         </p:txBody>
       </p:sp>
       <p:sp>
@@ -32484,7 +32851,7 @@
         </p:nvGraphicFramePr>
         <p:xfrm>
           <a:off x="1112007" y="335348"/>
-          <a:ext cx="10102215" cy="1070610"/>
+          <a:ext cx="10083164" cy="1057640"/>
         </p:xfrm>
         <a:graphic>
           <a:graphicData uri="http://schemas.openxmlformats.org/drawingml/2006/table">
@@ -32493,11 +32860,41 @@
                 <a:tableStyleId>{2D5ABB26-0587-4C30-8999-92F81FD0307C}</a:tableStyleId>
               </a:tblPr>
               <a:tblGrid>
-                <a:gridCol w="2903220"/>
-                <a:gridCol w="605790"/>
-                <a:gridCol w="2903219"/>
-                <a:gridCol w="605790"/>
-                <a:gridCol w="3065145"/>
+                <a:gridCol w="2903220">
+                  <a:extLst>
+                    <a:ext uri="{9D8B030D-6E8A-4147-A177-3AD203B41FA5}">
+                      <a16:colId xmlns:a16="http://schemas.microsoft.com/office/drawing/2014/main" val="20000"/>
+                    </a:ext>
+                  </a:extLst>
+                </a:gridCol>
+                <a:gridCol w="605790">
+                  <a:extLst>
+                    <a:ext uri="{9D8B030D-6E8A-4147-A177-3AD203B41FA5}">
+                      <a16:colId xmlns:a16="http://schemas.microsoft.com/office/drawing/2014/main" val="20001"/>
+                    </a:ext>
+                  </a:extLst>
+                </a:gridCol>
+                <a:gridCol w="2903219">
+                  <a:extLst>
+                    <a:ext uri="{9D8B030D-6E8A-4147-A177-3AD203B41FA5}">
+                      <a16:colId xmlns:a16="http://schemas.microsoft.com/office/drawing/2014/main" val="20002"/>
+                    </a:ext>
+                  </a:extLst>
+                </a:gridCol>
+                <a:gridCol w="605790">
+                  <a:extLst>
+                    <a:ext uri="{9D8B030D-6E8A-4147-A177-3AD203B41FA5}">
+                      <a16:colId xmlns:a16="http://schemas.microsoft.com/office/drawing/2014/main" val="20003"/>
+                    </a:ext>
+                  </a:extLst>
+                </a:gridCol>
+                <a:gridCol w="3065145">
+                  <a:extLst>
+                    <a:ext uri="{9D8B030D-6E8A-4147-A177-3AD203B41FA5}">
+                      <a16:colId xmlns:a16="http://schemas.microsoft.com/office/drawing/2014/main" val="20004"/>
+                    </a:ext>
+                  </a:extLst>
+                </a:gridCol>
               </a:tblGrid>
               <a:tr h="1057640">
                 <a:tc>
@@ -32745,6 +33142,11 @@
                     </a:solidFill>
                   </a:tcPr>
                 </a:tc>
+                <a:extLst>
+                  <a:ext uri="{0D108BD9-81ED-4DB2-BD59-A6C34878D82A}">
+                    <a16:rowId xmlns:a16="http://schemas.microsoft.com/office/drawing/2014/main" val="10000"/>
+                  </a:ext>
+                </a:extLst>
               </a:tr>
             </a:tbl>
           </a:graphicData>
@@ -32756,11 +33158,17 @@
           <p:cNvGraphicFramePr>
             <a:graphicFrameLocks noGrp="1"/>
           </p:cNvGraphicFramePr>
-          <p:nvPr/>
+          <p:nvPr>
+            <p:extLst>
+              <p:ext uri="{D42A27DB-BD31-4B8C-83A1-F6EECF244321}">
+                <p14:modId xmlns:p14="http://schemas.microsoft.com/office/powerpoint/2010/main" val="1505941261"/>
+              </p:ext>
+            </p:extLst>
+          </p:nvPr>
         </p:nvGraphicFramePr>
         <p:xfrm>
           <a:off x="9581438" y="4662392"/>
-          <a:ext cx="3549650" cy="2095500"/>
+          <a:ext cx="3530600" cy="2082731"/>
         </p:xfrm>
         <a:graphic>
           <a:graphicData uri="http://schemas.openxmlformats.org/drawingml/2006/table">
@@ -32769,8 +33177,20 @@
                 <a:tableStyleId>{2D5ABB26-0587-4C30-8999-92F81FD0307C}</a:tableStyleId>
               </a:tblPr>
               <a:tblGrid>
-                <a:gridCol w="1765300"/>
-                <a:gridCol w="1765300"/>
+                <a:gridCol w="1765300">
+                  <a:extLst>
+                    <a:ext uri="{9D8B030D-6E8A-4147-A177-3AD203B41FA5}">
+                      <a16:colId xmlns:a16="http://schemas.microsoft.com/office/drawing/2014/main" val="20000"/>
+                    </a:ext>
+                  </a:extLst>
+                </a:gridCol>
+                <a:gridCol w="1765300">
+                  <a:extLst>
+                    <a:ext uri="{9D8B030D-6E8A-4147-A177-3AD203B41FA5}">
+                      <a16:colId xmlns:a16="http://schemas.microsoft.com/office/drawing/2014/main" val="20001"/>
+                    </a:ext>
+                  </a:extLst>
+                </a:gridCol>
               </a:tblGrid>
               <a:tr h="867206">
                 <a:tc gridSpan="2">
@@ -32787,7 +33207,7 @@
                         </a:spcBef>
                       </a:pPr>
                       <a:r>
-                        <a:rPr sz="2400" b="1" spc="5" dirty="0">
+                        <a:rPr sz="2400" b="1" spc="5" dirty="0" err="1">
                           <a:solidFill>
                             <a:srgbClr val="FFFFFF"/>
                           </a:solidFill>
@@ -32805,16 +33225,6 @@
                           <a:cs typeface="Arial" panose="020B0604020202020204"/>
                         </a:rPr>
                         <a:t> </a:t>
-                      </a:r>
-                      <a:r>
-                        <a:rPr sz="2400" b="1" spc="225" dirty="0">
-                          <a:solidFill>
-                            <a:srgbClr val="FFFFFF"/>
-                          </a:solidFill>
-                          <a:latin typeface="Arial" panose="020B0604020202020204"/>
-                          <a:cs typeface="Arial" panose="020B0604020202020204"/>
-                        </a:rPr>
-                        <a:t>- </a:t>
                       </a:r>
                       <a:r>
                         <a:rPr sz="2400" b="1" spc="-650" dirty="0">
@@ -32836,7 +33246,7 @@
                         </a:rPr>
                         <a:t>Component</a:t>
                       </a:r>
-                      <a:endParaRPr sz="2400">
+                      <a:endParaRPr sz="2400" dirty="0">
                         <a:latin typeface="Arial" panose="020B0604020202020204"/>
                         <a:cs typeface="Arial" panose="020B0604020202020204"/>
                       </a:endParaRPr>
@@ -32873,8 +33283,20 @@
                   </a:tcPr>
                 </a:tc>
                 <a:tc hMerge="1">
+                  <a:txBody>
+                    <a:bodyPr/>
+                    <a:lstStyle/>
+                    <a:p>
+                      <a:endParaRPr lang="en-US"/>
+                    </a:p>
+                  </a:txBody>
                   <a:tcPr marL="0" marR="0" marT="0" marB="0"/>
                 </a:tc>
+                <a:extLst>
+                  <a:ext uri="{0D108BD9-81ED-4DB2-BD59-A6C34878D82A}">
+                    <a16:rowId xmlns:a16="http://schemas.microsoft.com/office/drawing/2014/main" val="10000"/>
+                  </a:ext>
+                </a:extLst>
               </a:tr>
               <a:tr h="348319">
                 <a:tc>
@@ -32951,6 +33373,11 @@
                     </a:lnB>
                   </a:tcPr>
                 </a:tc>
+                <a:extLst>
+                  <a:ext uri="{0D108BD9-81ED-4DB2-BD59-A6C34878D82A}">
+                    <a16:rowId xmlns:a16="http://schemas.microsoft.com/office/drawing/2014/main" val="10001"/>
+                  </a:ext>
+                </a:extLst>
               </a:tr>
               <a:tr h="867206">
                 <a:tc gridSpan="2">
@@ -32976,7 +33403,7 @@
                         </a:rPr>
                         <a:t>WelcomeComponent</a:t>
                       </a:r>
-                      <a:endParaRPr sz="2400">
+                      <a:endParaRPr sz="2400" dirty="0">
                         <a:latin typeface="Arial" panose="020B0604020202020204"/>
                         <a:cs typeface="Arial" panose="020B0604020202020204"/>
                       </a:endParaRPr>
@@ -33013,8 +33440,20 @@
                   </a:tcPr>
                 </a:tc>
                 <a:tc hMerge="1">
+                  <a:txBody>
+                    <a:bodyPr/>
+                    <a:lstStyle/>
+                    <a:p>
+                      <a:endParaRPr lang="en-US"/>
+                    </a:p>
+                  </a:txBody>
                   <a:tcPr marL="0" marR="0" marT="0" marB="0"/>
                 </a:tc>
+                <a:extLst>
+                  <a:ext uri="{0D108BD9-81ED-4DB2-BD59-A6C34878D82A}">
+                    <a16:rowId xmlns:a16="http://schemas.microsoft.com/office/drawing/2014/main" val="10002"/>
+                  </a:ext>
+                </a:extLst>
               </a:tr>
             </a:tbl>
           </a:graphicData>
@@ -33026,11 +33465,17 @@
           <p:cNvGraphicFramePr>
             <a:graphicFrameLocks noGrp="1"/>
           </p:cNvGraphicFramePr>
-          <p:nvPr/>
+          <p:nvPr>
+            <p:extLst>
+              <p:ext uri="{D42A27DB-BD31-4B8C-83A1-F6EECF244321}">
+                <p14:modId xmlns:p14="http://schemas.microsoft.com/office/powerpoint/2010/main" val="1793239019"/>
+              </p:ext>
+            </p:extLst>
+          </p:nvPr>
         </p:nvGraphicFramePr>
         <p:xfrm>
           <a:off x="5910783" y="4662393"/>
-          <a:ext cx="3154045" cy="4520565"/>
+          <a:ext cx="3134995" cy="4507583"/>
         </p:xfrm>
         <a:graphic>
           <a:graphicData uri="http://schemas.openxmlformats.org/drawingml/2006/table">
@@ -33039,8 +33484,20 @@
                 <a:tableStyleId>{2D5ABB26-0587-4C30-8999-92F81FD0307C}</a:tableStyleId>
               </a:tblPr>
               <a:tblGrid>
-                <a:gridCol w="1572260"/>
-                <a:gridCol w="1562735"/>
+                <a:gridCol w="1572260">
+                  <a:extLst>
+                    <a:ext uri="{9D8B030D-6E8A-4147-A177-3AD203B41FA5}">
+                      <a16:colId xmlns:a16="http://schemas.microsoft.com/office/drawing/2014/main" val="20000"/>
+                    </a:ext>
+                  </a:extLst>
+                </a:gridCol>
+                <a:gridCol w="1562735">
+                  <a:extLst>
+                    <a:ext uri="{9D8B030D-6E8A-4147-A177-3AD203B41FA5}">
+                      <a16:colId xmlns:a16="http://schemas.microsoft.com/office/drawing/2014/main" val="20001"/>
+                    </a:ext>
+                  </a:extLst>
+                </a:gridCol>
               </a:tblGrid>
               <a:tr h="867206">
                 <a:tc gridSpan="2">
@@ -33103,8 +33560,20 @@
                   </a:tcPr>
                 </a:tc>
                 <a:tc hMerge="1">
+                  <a:txBody>
+                    <a:bodyPr/>
+                    <a:lstStyle/>
+                    <a:p>
+                      <a:endParaRPr lang="en-US"/>
+                    </a:p>
+                  </a:txBody>
                   <a:tcPr marL="0" marR="0" marT="0" marB="0"/>
                 </a:tc>
+                <a:extLst>
+                  <a:ext uri="{0D108BD9-81ED-4DB2-BD59-A6C34878D82A}">
+                    <a16:rowId xmlns:a16="http://schemas.microsoft.com/office/drawing/2014/main" val="10000"/>
+                  </a:ext>
+                </a:extLst>
               </a:tr>
               <a:tr h="348318">
                 <a:tc>
@@ -33181,6 +33650,11 @@
                     </a:lnB>
                   </a:tcPr>
                 </a:tc>
+                <a:extLst>
+                  <a:ext uri="{0D108BD9-81ED-4DB2-BD59-A6C34878D82A}">
+                    <a16:rowId xmlns:a16="http://schemas.microsoft.com/office/drawing/2014/main" val="10001"/>
+                  </a:ext>
+                </a:extLst>
               </a:tr>
               <a:tr h="867206">
                 <a:tc>
@@ -33300,7 +33774,7 @@
                         </a:spcBef>
                       </a:pPr>
                       <a:r>
-                        <a:rPr sz="2400" b="1" spc="5" dirty="0">
+                        <a:rPr sz="2400" b="1" spc="5" dirty="0" err="1">
                           <a:solidFill>
                             <a:srgbClr val="FFFFFF"/>
                           </a:solidFill>
@@ -33318,16 +33792,6 @@
                           <a:cs typeface="Arial" panose="020B0604020202020204"/>
                         </a:rPr>
                         <a:t> </a:t>
-                      </a:r>
-                      <a:r>
-                        <a:rPr sz="2400" b="1" spc="225" dirty="0">
-                          <a:solidFill>
-                            <a:srgbClr val="FFFFFF"/>
-                          </a:solidFill>
-                          <a:latin typeface="Arial" panose="020B0604020202020204"/>
-                          <a:cs typeface="Arial" panose="020B0604020202020204"/>
-                        </a:rPr>
-                        <a:t>- </a:t>
                       </a:r>
                       <a:r>
                         <a:rPr sz="2400" b="1" spc="-655" dirty="0">
@@ -33349,7 +33813,7 @@
                         </a:rPr>
                         <a:t>onent</a:t>
                       </a:r>
-                      <a:endParaRPr sz="2400">
+                      <a:endParaRPr sz="2400" dirty="0">
                         <a:latin typeface="Arial" panose="020B0604020202020204"/>
                         <a:cs typeface="Arial" panose="020B0604020202020204"/>
                       </a:endParaRPr>
@@ -33379,6 +33843,11 @@
                     </a:solidFill>
                   </a:tcPr>
                 </a:tc>
+                <a:extLst>
+                  <a:ext uri="{0D108BD9-81ED-4DB2-BD59-A6C34878D82A}">
+                    <a16:rowId xmlns:a16="http://schemas.microsoft.com/office/drawing/2014/main" val="10002"/>
+                  </a:ext>
+                </a:extLst>
               </a:tr>
               <a:tr h="348318">
                 <a:tc>
@@ -33455,6 +33924,11 @@
                     </a:lnB>
                   </a:tcPr>
                 </a:tc>
+                <a:extLst>
+                  <a:ext uri="{0D108BD9-81ED-4DB2-BD59-A6C34878D82A}">
+                    <a16:rowId xmlns:a16="http://schemas.microsoft.com/office/drawing/2014/main" val="10003"/>
+                  </a:ext>
+                </a:extLst>
               </a:tr>
               <a:tr h="864108">
                 <a:tc>
@@ -33548,27 +34022,17 @@
                         </a:spcBef>
                       </a:pPr>
                       <a:r>
-                        <a:rPr sz="2400" b="1" spc="-5" dirty="0">
+                        <a:rPr sz="2400" b="1" spc="-5" dirty="0" err="1">
                           <a:solidFill>
                             <a:srgbClr val="FFFFFF"/>
                           </a:solidFill>
                           <a:latin typeface="Arial" panose="020B0604020202020204"/>
                           <a:cs typeface="Arial" panose="020B0604020202020204"/>
                         </a:rPr>
-                        <a:t>o</a:t>
+                        <a:t>oS</a:t>
                       </a:r>
                       <a:r>
-                        <a:rPr sz="2400" b="1" spc="-5" dirty="0">
-                          <a:solidFill>
-                            <a:srgbClr val="FFFFFF"/>
-                          </a:solidFill>
-                          <a:latin typeface="Arial" panose="020B0604020202020204"/>
-                          <a:cs typeface="Arial" panose="020B0604020202020204"/>
-                        </a:rPr>
-                        <a:t>S</a:t>
-                      </a:r>
-                      <a:r>
-                        <a:rPr sz="2400" b="1" dirty="0">
+                        <a:rPr sz="2400" b="1" dirty="0" err="1">
                           <a:solidFill>
                             <a:srgbClr val="FFFFFF"/>
                           </a:solidFill>
@@ -33578,7 +34042,7 @@
                         <a:t>p</a:t>
                       </a:r>
                       <a:r>
-                        <a:rPr sz="2400" b="1" spc="-5" dirty="0">
+                        <a:rPr sz="2400" b="1" spc="-5" dirty="0" err="1">
                           <a:solidFill>
                             <a:srgbClr val="FFFFFF"/>
                           </a:solidFill>
@@ -33588,7 +34052,7 @@
                         <a:t>a</a:t>
                       </a:r>
                       <a:r>
-                        <a:rPr sz="2400" b="1" dirty="0">
+                        <a:rPr sz="2400" b="1" dirty="0" err="1">
                           <a:solidFill>
                             <a:srgbClr val="FFFFFF"/>
                           </a:solidFill>
@@ -33598,7 +34062,7 @@
                         <a:t>c</a:t>
                       </a:r>
                       <a:r>
-                        <a:rPr sz="2400" b="1" spc="-5" dirty="0">
+                        <a:rPr sz="2400" b="1" spc="-5" dirty="0" err="1">
                           <a:solidFill>
                             <a:srgbClr val="FFFFFF"/>
                           </a:solidFill>
@@ -33608,7 +34072,7 @@
                         <a:t>e</a:t>
                       </a:r>
                       <a:r>
-                        <a:rPr sz="2400" b="1" dirty="0">
+                        <a:rPr sz="2400" b="1" dirty="0" err="1">
                           <a:solidFill>
                             <a:srgbClr val="FFFFFF"/>
                           </a:solidFill>
@@ -33635,7 +34099,7 @@
                           <a:latin typeface="Arial" panose="020B0604020202020204"/>
                           <a:cs typeface="Arial" panose="020B0604020202020204"/>
                         </a:rPr>
-                        <a:t>-  </a:t>
+                        <a:t>  </a:t>
                       </a:r>
                       <a:r>
                         <a:rPr sz="2400" b="1" spc="50" dirty="0">
@@ -33647,7 +34111,7 @@
                         </a:rPr>
                         <a:t>pe</a:t>
                       </a:r>
-                      <a:endParaRPr sz="2400">
+                      <a:endParaRPr sz="2400" dirty="0">
                         <a:latin typeface="Arial" panose="020B0604020202020204"/>
                         <a:cs typeface="Arial" panose="020B0604020202020204"/>
                       </a:endParaRPr>
@@ -33677,6 +34141,11 @@
                     </a:solidFill>
                   </a:tcPr>
                 </a:tc>
+                <a:extLst>
+                  <a:ext uri="{0D108BD9-81ED-4DB2-BD59-A6C34878D82A}">
+                    <a16:rowId xmlns:a16="http://schemas.microsoft.com/office/drawing/2014/main" val="10004"/>
+                  </a:ext>
+                </a:extLst>
               </a:tr>
               <a:tr h="348319">
                 <a:tc>
@@ -33753,6 +34222,11 @@
                     </a:lnB>
                   </a:tcPr>
                 </a:tc>
+                <a:extLst>
+                  <a:ext uri="{0D108BD9-81ED-4DB2-BD59-A6C34878D82A}">
+                    <a16:rowId xmlns:a16="http://schemas.microsoft.com/office/drawing/2014/main" val="10005"/>
+                  </a:ext>
+                </a:extLst>
               </a:tr>
               <a:tr h="864108">
                 <a:tc gridSpan="2">
@@ -33778,7 +34252,7 @@
                         </a:rPr>
                         <a:t>StarComponent</a:t>
                       </a:r>
-                      <a:endParaRPr sz="2400">
+                      <a:endParaRPr sz="2400" dirty="0">
                         <a:latin typeface="Arial" panose="020B0604020202020204"/>
                         <a:cs typeface="Arial" panose="020B0604020202020204"/>
                       </a:endParaRPr>
@@ -33815,8 +34289,20 @@
                   </a:tcPr>
                 </a:tc>
                 <a:tc hMerge="1">
+                  <a:txBody>
+                    <a:bodyPr/>
+                    <a:lstStyle/>
+                    <a:p>
+                      <a:endParaRPr lang="en-US"/>
+                    </a:p>
+                  </a:txBody>
                   <a:tcPr marL="0" marR="0" marT="0" marB="0"/>
                 </a:tc>
+                <a:extLst>
+                  <a:ext uri="{0D108BD9-81ED-4DB2-BD59-A6C34878D82A}">
+                    <a16:rowId xmlns:a16="http://schemas.microsoft.com/office/drawing/2014/main" val="10006"/>
+                  </a:ext>
+                </a:extLst>
               </a:tr>
             </a:tbl>
           </a:graphicData>
@@ -33939,17 +34425,7 @@
                 <a:latin typeface="Arial" panose="020B0604020202020204"/>
                 <a:cs typeface="Arial" panose="020B0604020202020204"/>
               </a:rPr>
-              <a:t>a</a:t>
-            </a:r>
-            <a:r>
-              <a:rPr sz="2400" b="1" spc="-25" dirty="0">
-                <a:solidFill>
-                  <a:srgbClr val="2A9FBC"/>
-                </a:solidFill>
-                <a:latin typeface="Arial" panose="020B0604020202020204"/>
-                <a:cs typeface="Arial" panose="020B0604020202020204"/>
-              </a:rPr>
-              <a:t>r</a:t>
+              <a:t>ar</a:t>
             </a:r>
             <a:r>
               <a:rPr sz="2400" b="1" spc="-70" dirty="0">
@@ -34065,7 +34541,9 @@
         <p:txBody>
           <a:bodyPr wrap="square" lIns="0" tIns="0" rIns="0" bIns="0" rtlCol="0"/>
           <a:lstStyle/>
-          <a:p/>
+          <a:p>
+            <a:endParaRPr/>
+          </a:p>
         </p:txBody>
       </p:sp>
       <p:sp>
@@ -34105,7 +34583,9 @@
         <p:txBody>
           <a:bodyPr wrap="square" lIns="0" tIns="0" rIns="0" bIns="0" rtlCol="0"/>
           <a:lstStyle/>
-          <a:p/>
+          <a:p>
+            <a:endParaRPr/>
+          </a:p>
         </p:txBody>
       </p:sp>
       <p:sp>
@@ -34145,7 +34625,9 @@
         <p:txBody>
           <a:bodyPr wrap="square" lIns="0" tIns="0" rIns="0" bIns="0" rtlCol="0"/>
           <a:lstStyle/>
-          <a:p/>
+          <a:p>
+            <a:endParaRPr/>
+          </a:p>
         </p:txBody>
       </p:sp>
       <p:sp>
@@ -34185,7 +34667,9 @@
         <p:txBody>
           <a:bodyPr wrap="square" lIns="0" tIns="0" rIns="0" bIns="0" rtlCol="0"/>
           <a:lstStyle/>
-          <a:p/>
+          <a:p>
+            <a:endParaRPr/>
+          </a:p>
         </p:txBody>
       </p:sp>
       <p:sp>
@@ -34201,9 +34685,11 @@
         <p:spPr/>
         <p:txBody>
           <a:bodyPr/>
+          <a:lstStyle/>
           <a:p>
             <a:fld id="{B6F15528-21DE-4FAA-801E-634DDDAF4B2B}" type="slidenum">
               <a:rPr/>
+              <a:t>9</a:t>
             </a:fld>
             <a:endParaRPr/>
           </a:p>
@@ -34495,6 +34981,8 @@
       </a:bgFillStyleLst>
     </a:fmtScheme>
   </a:themeElements>
+  <a:objectDefaults/>
+  <a:extraClrSchemeLst/>
   <a:extLst>
     <a:ext uri="{05A4C25C-085E-4340-85A3-A5531E510DB2}">
       <thm15:themeFamily xmlns:thm15="http://schemas.microsoft.com/office/thememl/2012/main" name="Office Theme" id="{62F939B6-93AF-4DB8-9C6B-D6C7DFDC589F}" vid="{4A3C46E8-61CC-4603-A589-7422A47A8E4A}"/>
@@ -34754,6 +35242,8 @@
       </a:bgFillStyleLst>
     </a:fmtScheme>
   </a:themeElements>
+  <a:objectDefaults/>
+  <a:extraClrSchemeLst/>
   <a:extLst>
     <a:ext uri="{05A4C25C-085E-4340-85A3-A5531E510DB2}">
       <thm15:themeFamily xmlns:thm15="http://schemas.microsoft.com/office/thememl/2012/main" name="Office Theme" id="{62F939B6-93AF-4DB8-9C6B-D6C7DFDC589F}" vid="{4A3C46E8-61CC-4603-A589-7422A47A8E4A}"/>
